--- a/pub/Council/Agenda2009Mar05/ExecutiveDirector_Report_to_the_OSG_Council.pptx
+++ b/pub/Council/Agenda2009Mar05/ExecutiveDirector_Report_to_the_OSG_Council.pptx
@@ -5,35 +5,37 @@
     <p:sldMasterId id="2147483648" r:id="rId1"/>
   </p:sldMasterIdLst>
   <p:notesMasterIdLst>
-    <p:notesMasterId r:id="rId28"/>
+    <p:notesMasterId r:id="rId30"/>
   </p:notesMasterIdLst>
   <p:sldIdLst>
     <p:sldId id="256" r:id="rId2"/>
-    <p:sldId id="277" r:id="rId3"/>
-    <p:sldId id="281" r:id="rId4"/>
-    <p:sldId id="282" r:id="rId5"/>
-    <p:sldId id="283" r:id="rId6"/>
-    <p:sldId id="284" r:id="rId7"/>
-    <p:sldId id="285" r:id="rId8"/>
-    <p:sldId id="286" r:id="rId9"/>
-    <p:sldId id="287" r:id="rId10"/>
-    <p:sldId id="288" r:id="rId11"/>
-    <p:sldId id="289" r:id="rId12"/>
-    <p:sldId id="265" r:id="rId13"/>
-    <p:sldId id="273" r:id="rId14"/>
-    <p:sldId id="290" r:id="rId15"/>
-    <p:sldId id="291" r:id="rId16"/>
-    <p:sldId id="297" r:id="rId17"/>
-    <p:sldId id="298" r:id="rId18"/>
-    <p:sldId id="292" r:id="rId19"/>
-    <p:sldId id="293" r:id="rId20"/>
-    <p:sldId id="294" r:id="rId21"/>
-    <p:sldId id="279" r:id="rId22"/>
-    <p:sldId id="278" r:id="rId23"/>
-    <p:sldId id="268" r:id="rId24"/>
-    <p:sldId id="259" r:id="rId25"/>
-    <p:sldId id="280" r:id="rId26"/>
-    <p:sldId id="295" r:id="rId27"/>
+    <p:sldId id="299" r:id="rId3"/>
+    <p:sldId id="277" r:id="rId4"/>
+    <p:sldId id="281" r:id="rId5"/>
+    <p:sldId id="282" r:id="rId6"/>
+    <p:sldId id="283" r:id="rId7"/>
+    <p:sldId id="284" r:id="rId8"/>
+    <p:sldId id="285" r:id="rId9"/>
+    <p:sldId id="286" r:id="rId10"/>
+    <p:sldId id="287" r:id="rId11"/>
+    <p:sldId id="288" r:id="rId12"/>
+    <p:sldId id="289" r:id="rId13"/>
+    <p:sldId id="265" r:id="rId14"/>
+    <p:sldId id="273" r:id="rId15"/>
+    <p:sldId id="290" r:id="rId16"/>
+    <p:sldId id="291" r:id="rId17"/>
+    <p:sldId id="297" r:id="rId18"/>
+    <p:sldId id="298" r:id="rId19"/>
+    <p:sldId id="292" r:id="rId20"/>
+    <p:sldId id="293" r:id="rId21"/>
+    <p:sldId id="294" r:id="rId22"/>
+    <p:sldId id="279" r:id="rId23"/>
+    <p:sldId id="278" r:id="rId24"/>
+    <p:sldId id="268" r:id="rId25"/>
+    <p:sldId id="259" r:id="rId26"/>
+    <p:sldId id="280" r:id="rId27"/>
+    <p:sldId id="295" r:id="rId28"/>
+    <p:sldId id="300" r:id="rId29"/>
   </p:sldIdLst>
   <p:sldSz cx="9144000" cy="6858000" type="screen4x3"/>
   <p:notesSz cx="6858000" cy="9144000"/>
@@ -559,7 +561,7 @@
               <a:pPr>
                 <a:defRPr/>
               </a:pPr>
-              <a:t>16</a:t>
+              <a:t>17</a:t>
             </a:fld>
             <a:endParaRPr lang="en-US"/>
           </a:p>
@@ -613,7 +615,7 @@
                 <a:cs typeface="ＭＳ Ｐゴシック"/>
               </a:rPr>
               <a:pPr/>
-              <a:t>22</a:t>
+              <a:t>23</a:t>
             </a:fld>
             <a:endParaRPr lang="en-US" dirty="0" smtClean="0">
               <a:ea typeface="ＭＳ Ｐゴシック"/>
@@ -654,7 +656,7 @@
             <a:fld id="{652103F6-A4BD-4852-9B47-A881E36256EC}" type="slidenum">
               <a:rPr lang="en-US" sz="1200"/>
               <a:pPr algn="r" defTabSz="912879" eaLnBrk="0" hangingPunct="0"/>
-              <a:t>22</a:t>
+              <a:t>23</a:t>
             </a:fld>
             <a:endParaRPr lang="en-US" sz="1200" dirty="0"/>
           </a:p>
@@ -3741,103 +3743,634 @@
           <a:p>
             <a:r>
               <a:rPr lang="en-US"/>
-              <a:t>Example: Response to need for Security Patches</a:t>
-            </a:r>
-          </a:p>
-        </p:txBody>
-      </p:sp>
-      <p:sp>
-        <p:nvSpPr>
-          <p:cNvPr id="3" name="Content Placeholder 2"/>
-          <p:cNvSpPr>
-            <a:spLocks noGrp="1"/>
-          </p:cNvSpPr>
+              <a:t>Some of the FY08 Metrics Goals</a:t>
+            </a:r>
+          </a:p>
+        </p:txBody>
+      </p:sp>
+      <p:graphicFrame>
+        <p:nvGraphicFramePr>
+          <p:cNvPr id="5" name="Content Placeholder 4"/>
+          <p:cNvGraphicFramePr>
+            <a:graphicFrameLocks noGrp="1"/>
+          </p:cNvGraphicFramePr>
           <p:nvPr>
             <p:ph idx="1"/>
           </p:nvPr>
-        </p:nvSpPr>
-        <p:spPr>
-          <a:xfrm>
-            <a:off x="308428" y="1224642"/>
-            <a:ext cx="8545286" cy="2128158"/>
-          </a:xfrm>
-          <a:ln w="12700" cap="flat" cmpd="sng" algn="ctr">
-            <a:solidFill>
-              <a:schemeClr val="accent1"/>
-            </a:solidFill>
-            <a:prstDash val="solid"/>
-            <a:miter lim="800000"/>
-            <a:headEnd type="none" w="med" len="med"/>
-            <a:tailEnd type="none" w="med" len="med"/>
-          </a:ln>
-        </p:spPr>
-        <p:txBody>
-          <a:bodyPr/>
-          <a:lstStyle/>
-          <a:p>
-            <a:pPr>
-              <a:buNone/>
-            </a:pPr>
-            <a:r>
-              <a:rPr lang="en-US" sz="2000" b="1"/>
-              <a:t>Goal:</a:t>
-            </a:r>
-            <a:r>
-              <a:rPr lang="en-US" sz="2000"/>
-              <a:t> 95% of all high priority patches or security patches are released into the production infrastructure within 1 week of the first notice – defined as a way of showing commitment to security.</a:t>
-            </a:r>
-            <a:r>
-              <a:rPr lang="en-US" sz="2000" b="1"/>
-              <a:t> </a:t>
-            </a:r>
-            <a:r>
-              <a:rPr lang="en-US" sz="2000"/>
-              <a:t>NOT ACHIEVED</a:t>
-            </a:r>
-          </a:p>
-          <a:p>
-            <a:pPr>
-              <a:buClrTx/>
-            </a:pPr>
-            <a:r>
-              <a:rPr lang="en-US" sz="2000">
-                <a:solidFill>
-                  <a:srgbClr val="C70000"/>
-                </a:solidFill>
-              </a:rPr>
-              <a:t>18 of 23 (78%) of security-related tickets 18 were closed within 1 week.</a:t>
-            </a:r>
-          </a:p>
-          <a:p>
-            <a:pPr>
-              <a:buClrTx/>
-            </a:pPr>
-            <a:r>
-              <a:rPr lang="en-US" sz="2000">
-                <a:solidFill>
-                  <a:srgbClr val="C70000"/>
-                </a:solidFill>
-              </a:rPr>
-              <a:t>FY08 saw twice the number of incidents than FY07 (more information</a:t>
-            </a:r>
-            <a:r>
-              <a:rPr lang="en-US" sz="2000"/>
-              <a:t> i</a:t>
-            </a:r>
-            <a:r>
-              <a:rPr lang="en-US" sz="2000">
-                <a:solidFill>
-                  <a:srgbClr val="C70000"/>
-                </a:solidFill>
-              </a:rPr>
-              <a:t>n the metrics report).</a:t>
-            </a:r>
-          </a:p>
-          <a:p>
-            <a:endParaRPr lang="en-US" sz="2400"/>
-          </a:p>
-        </p:txBody>
-      </p:sp>
+        </p:nvGraphicFramePr>
+        <p:xfrm>
+          <a:off x="254000" y="2654300"/>
+          <a:ext cx="8674100" cy="3840479"/>
+        </p:xfrm>
+        <a:graphic>
+          <a:graphicData uri="http://schemas.openxmlformats.org/drawingml/2006/table">
+            <a:tbl>
+              <a:tblPr firstRow="1" bandRow="1">
+                <a:tableStyleId>{5C22544A-7EE6-4342-B048-85BDC9FD1C3A}</a:tableStyleId>
+              </a:tblPr>
+              <a:tblGrid>
+                <a:gridCol w="3628382"/>
+                <a:gridCol w="1604018"/>
+                <a:gridCol w="3441700"/>
+              </a:tblGrid>
+              <a:tr h="119381">
+                <a:tc>
+                  <a:txBody>
+                    <a:bodyPr/>
+                    <a:lstStyle/>
+                    <a:p>
+                      <a:pPr marL="0" marR="0" algn="l">
+                        <a:spcBef>
+                          <a:spcPts val="0"/>
+                        </a:spcBef>
+                        <a:spcAft>
+                          <a:spcPts val="0"/>
+                        </a:spcAft>
+                      </a:pPr>
+                      <a:r>
+                        <a:rPr lang="en-US" sz="1800">
+                          <a:latin typeface="Times New Roman"/>
+                          <a:ea typeface="Times New Roman"/>
+                          <a:cs typeface="Times New Roman"/>
+                        </a:rPr>
+                        <a:t>Goal</a:t>
+                      </a:r>
+                    </a:p>
+                  </a:txBody>
+                  <a:tcPr marL="68580" marR="68580" marT="0" marB="0"/>
+                </a:tc>
+                <a:tc>
+                  <a:txBody>
+                    <a:bodyPr/>
+                    <a:lstStyle/>
+                    <a:p>
+                      <a:pPr marL="0" marR="0" algn="l">
+                        <a:spcBef>
+                          <a:spcPts val="0"/>
+                        </a:spcBef>
+                        <a:spcAft>
+                          <a:spcPts val="0"/>
+                        </a:spcAft>
+                      </a:pPr>
+                      <a:r>
+                        <a:rPr lang="en-US" sz="1800">
+                          <a:latin typeface="Times New Roman"/>
+                          <a:ea typeface="Times New Roman"/>
+                          <a:cs typeface="Times New Roman"/>
+                        </a:rPr>
+                        <a:t>Status</a:t>
+                      </a:r>
+                    </a:p>
+                  </a:txBody>
+                  <a:tcPr marL="68580" marR="68580" marT="0" marB="0"/>
+                </a:tc>
+                <a:tc>
+                  <a:txBody>
+                    <a:bodyPr/>
+                    <a:lstStyle/>
+                    <a:p>
+                      <a:pPr marL="0" marR="0" algn="l">
+                        <a:spcBef>
+                          <a:spcPts val="0"/>
+                        </a:spcBef>
+                        <a:spcAft>
+                          <a:spcPts val="0"/>
+                        </a:spcAft>
+                      </a:pPr>
+                      <a:r>
+                        <a:rPr lang="en-US" sz="1800">
+                          <a:latin typeface="Times New Roman"/>
+                          <a:ea typeface="Times New Roman"/>
+                          <a:cs typeface="Times New Roman"/>
+                        </a:rPr>
+                        <a:t>Comments</a:t>
+                      </a:r>
+                    </a:p>
+                  </a:txBody>
+                  <a:tcPr marL="68580" marR="68580" marT="0" marB="0"/>
+                </a:tc>
+              </a:tr>
+              <a:tr h="370840">
+                <a:tc>
+                  <a:txBody>
+                    <a:bodyPr/>
+                    <a:lstStyle/>
+                    <a:p>
+                      <a:pPr marL="0" marR="0" algn="l">
+                        <a:spcBef>
+                          <a:spcPts val="0"/>
+                        </a:spcBef>
+                        <a:spcAft>
+                          <a:spcPts val="0"/>
+                        </a:spcAft>
+                      </a:pPr>
+                      <a:r>
+                        <a:rPr lang="en-US" sz="1800">
+                          <a:latin typeface="Times New Roman"/>
+                          <a:ea typeface="Times New Roman"/>
+                          <a:cs typeface="Times New Roman"/>
+                        </a:rPr>
+                        <a:t>5 citations for OSG contribution in scientific publications</a:t>
+                      </a:r>
+                    </a:p>
+                  </a:txBody>
+                  <a:tcPr marL="68580" marR="68580" marT="0" marB="0"/>
+                </a:tc>
+                <a:tc>
+                  <a:txBody>
+                    <a:bodyPr/>
+                    <a:lstStyle/>
+                    <a:p>
+                      <a:pPr marL="0" marR="0" algn="l">
+                        <a:spcBef>
+                          <a:spcPts val="0"/>
+                        </a:spcBef>
+                        <a:spcAft>
+                          <a:spcPts val="0"/>
+                        </a:spcAft>
+                      </a:pPr>
+                      <a:r>
+                        <a:rPr lang="en-US" sz="1800">
+                          <a:latin typeface="Times New Roman"/>
+                          <a:ea typeface="Times New Roman"/>
+                          <a:cs typeface="Times New Roman"/>
+                        </a:rPr>
+                        <a:t>MISSED</a:t>
+                      </a:r>
+                    </a:p>
+                  </a:txBody>
+                  <a:tcPr marL="68580" marR="68580" marT="0" marB="0"/>
+                </a:tc>
+                <a:tc>
+                  <a:txBody>
+                    <a:bodyPr/>
+                    <a:lstStyle/>
+                    <a:p>
+                      <a:pPr marL="0" marR="0" algn="l">
+                        <a:spcBef>
+                          <a:spcPts val="0"/>
+                        </a:spcBef>
+                        <a:spcAft>
+                          <a:spcPts val="0"/>
+                        </a:spcAft>
+                      </a:pPr>
+                      <a:r>
+                        <a:rPr lang="en-US" sz="1800">
+                          <a:latin typeface="Times New Roman"/>
+                          <a:ea typeface="Times New Roman"/>
+                          <a:cs typeface="Times New Roman"/>
+                        </a:rPr>
+                        <a:t>4 explicit citations.</a:t>
+                      </a:r>
+                    </a:p>
+                  </a:txBody>
+                  <a:tcPr marL="68580" marR="68580" marT="0" marB="0"/>
+                </a:tc>
+              </a:tr>
+              <a:tr h="370840">
+                <a:tc>
+                  <a:txBody>
+                    <a:bodyPr/>
+                    <a:lstStyle/>
+                    <a:p>
+                      <a:pPr marL="0" marR="0" algn="l">
+                        <a:spcBef>
+                          <a:spcPts val="0"/>
+                        </a:spcBef>
+                        <a:spcAft>
+                          <a:spcPts val="0"/>
+                        </a:spcAft>
+                      </a:pPr>
+                      <a:r>
+                        <a:rPr lang="en-US" sz="1800">
+                          <a:latin typeface="Times New Roman"/>
+                          <a:ea typeface="Times New Roman"/>
+                          <a:cs typeface="Times New Roman"/>
+                        </a:rPr>
+                        <a:t>1000 individual end users using the OSG.</a:t>
+                      </a:r>
+                    </a:p>
+                  </a:txBody>
+                  <a:tcPr marL="68580" marR="68580" marT="0" marB="0"/>
+                </a:tc>
+                <a:tc>
+                  <a:txBody>
+                    <a:bodyPr/>
+                    <a:lstStyle/>
+                    <a:p>
+                      <a:pPr marL="0" marR="0" algn="l">
+                        <a:spcBef>
+                          <a:spcPts val="0"/>
+                        </a:spcBef>
+                        <a:spcAft>
+                          <a:spcPts val="0"/>
+                        </a:spcAft>
+                      </a:pPr>
+                      <a:r>
+                        <a:rPr lang="en-US" sz="1800">
+                          <a:latin typeface="Times New Roman"/>
+                          <a:ea typeface="Times New Roman"/>
+                          <a:cs typeface="Times New Roman"/>
+                        </a:rPr>
+                        <a:t>ACHIEVED</a:t>
+                      </a:r>
+                    </a:p>
+                  </a:txBody>
+                  <a:tcPr marL="68580" marR="68580" marT="0" marB="0"/>
+                </a:tc>
+                <a:tc>
+                  <a:txBody>
+                    <a:bodyPr/>
+                    <a:lstStyle/>
+                    <a:p>
+                      <a:pPr marL="0" marR="0" algn="l">
+                        <a:spcBef>
+                          <a:spcPts val="0"/>
+                        </a:spcBef>
+                        <a:spcAft>
+                          <a:spcPts val="0"/>
+                        </a:spcAft>
+                      </a:pPr>
+                      <a:r>
+                        <a:rPr lang="en-US" sz="1800">
+                          <a:latin typeface="Times New Roman"/>
+                          <a:ea typeface="Times New Roman"/>
+                          <a:cs typeface="Times New Roman"/>
+                        </a:rPr>
+                        <a:t>1427 individuals used the OSG</a:t>
+                      </a:r>
+                      <a:r>
+                        <a:rPr lang="en-US" sz="1800" baseline="0">
+                          <a:latin typeface="Times New Roman"/>
+                          <a:ea typeface="Times New Roman"/>
+                          <a:cs typeface="Times New Roman"/>
+                        </a:rPr>
+                        <a:t> (when report written)</a:t>
+                      </a:r>
+                      <a:endParaRPr lang="en-US" sz="1800">
+                        <a:latin typeface="Times New Roman"/>
+                        <a:ea typeface="Times New Roman"/>
+                        <a:cs typeface="Times New Roman"/>
+                      </a:endParaRPr>
+                    </a:p>
+                  </a:txBody>
+                  <a:tcPr marL="68580" marR="68580" marT="0" marB="0"/>
+                </a:tc>
+              </a:tr>
+              <a:tr h="370840">
+                <a:tc>
+                  <a:txBody>
+                    <a:bodyPr/>
+                    <a:lstStyle/>
+                    <a:p>
+                      <a:pPr marL="0" marR="0" algn="l">
+                        <a:spcBef>
+                          <a:spcPts val="0"/>
+                        </a:spcBef>
+                        <a:spcAft>
+                          <a:spcPts val="0"/>
+                        </a:spcAft>
+                      </a:pPr>
+                      <a:r>
+                        <a:rPr lang="en-US" sz="1800">
+                          <a:latin typeface="Times New Roman"/>
+                          <a:ea typeface="Times New Roman"/>
+                          <a:cs typeface="Times New Roman"/>
+                        </a:rPr>
+                        <a:t>10% sharing (opportunistic use) of OSG Resources</a:t>
+                      </a:r>
+                    </a:p>
+                  </a:txBody>
+                  <a:tcPr marL="68580" marR="68580" marT="0" marB="0"/>
+                </a:tc>
+                <a:tc>
+                  <a:txBody>
+                    <a:bodyPr/>
+                    <a:lstStyle/>
+                    <a:p>
+                      <a:pPr marL="0" marR="0" algn="l">
+                        <a:spcBef>
+                          <a:spcPts val="0"/>
+                        </a:spcBef>
+                        <a:spcAft>
+                          <a:spcPts val="0"/>
+                        </a:spcAft>
+                      </a:pPr>
+                      <a:r>
+                        <a:rPr lang="en-US" sz="1800">
+                          <a:latin typeface="Times New Roman"/>
+                          <a:ea typeface="Times New Roman"/>
+                          <a:cs typeface="Times New Roman"/>
+                        </a:rPr>
+                        <a:t>ACHIEVED</a:t>
+                      </a:r>
+                    </a:p>
+                  </a:txBody>
+                  <a:tcPr marL="68580" marR="68580" marT="0" marB="0"/>
+                </a:tc>
+                <a:tc>
+                  <a:txBody>
+                    <a:bodyPr/>
+                    <a:lstStyle/>
+                    <a:p>
+                      <a:pPr marL="0" marR="0" algn="l">
+                        <a:spcBef>
+                          <a:spcPts val="0"/>
+                        </a:spcBef>
+                        <a:spcAft>
+                          <a:spcPts val="0"/>
+                        </a:spcAft>
+                      </a:pPr>
+                      <a:r>
+                        <a:rPr lang="en-US" sz="1800">
+                          <a:latin typeface="Times New Roman"/>
+                          <a:ea typeface="Times New Roman"/>
+                          <a:cs typeface="Times New Roman"/>
+                        </a:rPr>
+                        <a:t>Average of &gt;20% as measured</a:t>
+                      </a:r>
+                      <a:r>
+                        <a:rPr lang="en-US" sz="1800" baseline="0">
+                          <a:latin typeface="Times New Roman"/>
+                          <a:ea typeface="Times New Roman"/>
+                          <a:cs typeface="Times New Roman"/>
+                        </a:rPr>
+                        <a:t> by accounting systems.</a:t>
+                      </a:r>
+                      <a:endParaRPr lang="en-US" sz="1800">
+                        <a:latin typeface="Times New Roman"/>
+                        <a:ea typeface="Times New Roman"/>
+                        <a:cs typeface="Times New Roman"/>
+                      </a:endParaRPr>
+                    </a:p>
+                  </a:txBody>
+                  <a:tcPr marL="68580" marR="68580" marT="0" marB="0"/>
+                </a:tc>
+              </a:tr>
+              <a:tr h="370840">
+                <a:tc>
+                  <a:txBody>
+                    <a:bodyPr/>
+                    <a:lstStyle/>
+                    <a:p>
+                      <a:pPr marL="0" marR="0" algn="l">
+                        <a:spcBef>
+                          <a:spcPts val="200"/>
+                        </a:spcBef>
+                        <a:spcAft>
+                          <a:spcPts val="500"/>
+                        </a:spcAft>
+                      </a:pPr>
+                      <a:r>
+                        <a:rPr lang="en-US" sz="1800" b="0">
+                          <a:latin typeface="Times New Roman"/>
+                          <a:ea typeface="Times New Roman"/>
+                          <a:cs typeface="Times New Roman"/>
+                        </a:rPr>
+                        <a:t>Average of 60 functional compute resources per month</a:t>
+                      </a:r>
+                    </a:p>
+                  </a:txBody>
+                  <a:tcPr marL="68580" marR="68580" marT="0" marB="0"/>
+                </a:tc>
+                <a:tc>
+                  <a:txBody>
+                    <a:bodyPr/>
+                    <a:lstStyle/>
+                    <a:p>
+                      <a:pPr marL="0" marR="0" algn="l">
+                        <a:spcBef>
+                          <a:spcPts val="0"/>
+                        </a:spcBef>
+                        <a:spcAft>
+                          <a:spcPts val="0"/>
+                        </a:spcAft>
+                      </a:pPr>
+                      <a:r>
+                        <a:rPr lang="en-US" sz="1800">
+                          <a:latin typeface="Times New Roman"/>
+                          <a:ea typeface="Times New Roman"/>
+                          <a:cs typeface="Times New Roman"/>
+                        </a:rPr>
+                        <a:t>ACHIEVED</a:t>
+                      </a:r>
+                    </a:p>
+                  </a:txBody>
+                  <a:tcPr marL="68580" marR="68580" marT="0" marB="0"/>
+                </a:tc>
+                <a:tc>
+                  <a:txBody>
+                    <a:bodyPr/>
+                    <a:lstStyle/>
+                    <a:p>
+                      <a:pPr marL="0" marR="0" algn="l">
+                        <a:spcBef>
+                          <a:spcPts val="0"/>
+                        </a:spcBef>
+                        <a:spcAft>
+                          <a:spcPts val="0"/>
+                        </a:spcAft>
+                      </a:pPr>
+                      <a:r>
+                        <a:rPr lang="en-US" sz="1800">
+                          <a:latin typeface="Times New Roman"/>
+                          <a:ea typeface="Times New Roman"/>
+                          <a:cs typeface="Times New Roman"/>
+                        </a:rPr>
+                        <a:t>Average of 60 measured centrally</a:t>
+                      </a:r>
+                      <a:r>
+                        <a:rPr lang="en-US" sz="1800" baseline="0">
+                          <a:latin typeface="Times New Roman"/>
+                          <a:ea typeface="Times New Roman"/>
+                          <a:cs typeface="Times New Roman"/>
+                        </a:rPr>
+                        <a:t> by resource availability tests</a:t>
+                      </a:r>
+                      <a:endParaRPr lang="en-US" sz="1800">
+                        <a:latin typeface="Times New Roman"/>
+                        <a:ea typeface="Times New Roman"/>
+                        <a:cs typeface="Times New Roman"/>
+                      </a:endParaRPr>
+                    </a:p>
+                  </a:txBody>
+                  <a:tcPr marL="68580" marR="68580" marT="0" marB="0"/>
+                </a:tc>
+              </a:tr>
+              <a:tr h="370840">
+                <a:tc>
+                  <a:txBody>
+                    <a:bodyPr/>
+                    <a:lstStyle/>
+                    <a:p>
+                      <a:pPr marL="0" marR="0" algn="just">
+                        <a:spcBef>
+                          <a:spcPts val="200"/>
+                        </a:spcBef>
+                        <a:spcAft>
+                          <a:spcPts val="500"/>
+                        </a:spcAft>
+                      </a:pPr>
+                      <a:r>
+                        <a:rPr lang="en-US" sz="1800" b="0">
+                          <a:latin typeface="Times New Roman"/>
+                          <a:ea typeface="Times New Roman"/>
+                          <a:cs typeface="Times New Roman"/>
+                        </a:rPr>
+                        <a:t>Average 100,000 batch jobs a day over one week and</a:t>
+                      </a:r>
+                      <a:r>
+                        <a:rPr lang="en-US" sz="1800" b="0" baseline="0">
+                          <a:latin typeface="Times New Roman"/>
+                          <a:ea typeface="Times New Roman"/>
+                          <a:cs typeface="Times New Roman"/>
+                        </a:rPr>
+                        <a:t> </a:t>
+                      </a:r>
+                      <a:r>
+                        <a:rPr lang="en-US" sz="1800" b="0">
+                          <a:latin typeface="Times New Roman"/>
+                          <a:ea typeface="Times New Roman"/>
+                          <a:cs typeface="Times New Roman"/>
+                        </a:rPr>
+                        <a:t>average 75,000 batch jobs a day over one month.</a:t>
+                      </a:r>
+                    </a:p>
+                  </a:txBody>
+                  <a:tcPr marL="68580" marR="68580" marT="0" marB="0"/>
+                </a:tc>
+                <a:tc>
+                  <a:txBody>
+                    <a:bodyPr/>
+                    <a:lstStyle/>
+                    <a:p>
+                      <a:pPr marL="0" marR="0" algn="l">
+                        <a:spcBef>
+                          <a:spcPts val="0"/>
+                        </a:spcBef>
+                        <a:spcAft>
+                          <a:spcPts val="0"/>
+                        </a:spcAft>
+                      </a:pPr>
+                      <a:r>
+                        <a:rPr lang="en-US" sz="1800">
+                          <a:latin typeface="Times New Roman"/>
+                          <a:ea typeface="Times New Roman"/>
+                          <a:cs typeface="Times New Roman"/>
+                        </a:rPr>
+                        <a:t>ACHIEVED</a:t>
+                      </a:r>
+                    </a:p>
+                  </a:txBody>
+                  <a:tcPr marL="68580" marR="68580" marT="0" marB="0"/>
+                </a:tc>
+                <a:tc>
+                  <a:txBody>
+                    <a:bodyPr/>
+                    <a:lstStyle/>
+                    <a:p>
+                      <a:pPr marL="0" marR="0" algn="l">
+                        <a:spcBef>
+                          <a:spcPts val="0"/>
+                        </a:spcBef>
+                        <a:spcAft>
+                          <a:spcPts val="0"/>
+                        </a:spcAft>
+                      </a:pPr>
+                      <a:r>
+                        <a:rPr lang="en-US" sz="1800">
+                          <a:latin typeface="Times New Roman"/>
+                          <a:ea typeface="Times New Roman"/>
+                          <a:cs typeface="Times New Roman"/>
+                        </a:rPr>
+                        <a:t>Average of 150k jobs a day  sustained over more than a week</a:t>
+                      </a:r>
+                    </a:p>
+                  </a:txBody>
+                  <a:tcPr marL="68580" marR="68580" marT="0" marB="0"/>
+                </a:tc>
+              </a:tr>
+              <a:tr h="370840">
+                <a:tc>
+                  <a:txBody>
+                    <a:bodyPr/>
+                    <a:lstStyle/>
+                    <a:p>
+                      <a:pPr marL="0" marR="0" algn="l">
+                        <a:spcBef>
+                          <a:spcPts val="0"/>
+                        </a:spcBef>
+                        <a:spcAft>
+                          <a:spcPts val="0"/>
+                        </a:spcAft>
+                      </a:pPr>
+                      <a:r>
+                        <a:rPr lang="en-US" sz="1800" b="0">
+                          <a:latin typeface="Times New Roman"/>
+                          <a:ea typeface="Times New Roman"/>
+                          <a:cs typeface="Times New Roman"/>
+                        </a:rPr>
+                        <a:t>Have an average of 30,000 CPUs utilized during 1 week</a:t>
+                      </a:r>
+                    </a:p>
+                  </a:txBody>
+                  <a:tcPr marL="68580" marR="68580" marT="0" marB="0"/>
+                </a:tc>
+                <a:tc>
+                  <a:txBody>
+                    <a:bodyPr/>
+                    <a:lstStyle/>
+                    <a:p>
+                      <a:pPr marL="0" marR="0" algn="l">
+                        <a:spcBef>
+                          <a:spcPts val="0"/>
+                        </a:spcBef>
+                        <a:spcAft>
+                          <a:spcPts val="0"/>
+                        </a:spcAft>
+                      </a:pPr>
+                      <a:r>
+                        <a:rPr lang="en-US" sz="1800">
+                          <a:latin typeface="Times New Roman"/>
+                          <a:ea typeface="Times New Roman"/>
+                          <a:cs typeface="Times New Roman"/>
+                        </a:rPr>
+                        <a:t>MISSED</a:t>
+                      </a:r>
+                    </a:p>
+                  </a:txBody>
+                  <a:tcPr marL="68580" marR="68580" marT="0" marB="0"/>
+                </a:tc>
+                <a:tc>
+                  <a:txBody>
+                    <a:bodyPr/>
+                    <a:lstStyle/>
+                    <a:p>
+                      <a:pPr marL="0" marR="0" algn="l">
+                        <a:spcBef>
+                          <a:spcPts val="0"/>
+                        </a:spcBef>
+                        <a:spcAft>
+                          <a:spcPts val="0"/>
+                        </a:spcAft>
+                      </a:pPr>
+                      <a:r>
+                        <a:rPr lang="en-US" sz="1800">
+                          <a:latin typeface="Times New Roman"/>
+                          <a:ea typeface="Times New Roman"/>
+                          <a:cs typeface="Times New Roman"/>
+                        </a:rPr>
+                        <a:t>16k simultaneous jobs recorded. (when report written; now at &gt;25K)</a:t>
+                      </a:r>
+                    </a:p>
+                  </a:txBody>
+                  <a:tcPr marL="68580" marR="68580" marT="0" marB="0"/>
+                </a:tc>
+              </a:tr>
+            </a:tbl>
+          </a:graphicData>
+        </a:graphic>
+      </p:graphicFrame>
       <p:sp>
         <p:nvSpPr>
           <p:cNvPr id="4" name="Slide Number Placeholder 3"/>
@@ -3867,206 +4400,9 @@
           </a:p>
         </p:txBody>
       </p:sp>
-      <p:sp>
-        <p:nvSpPr>
-          <p:cNvPr id="5" name="Content Placeholder 2"/>
-          <p:cNvSpPr txBox="1">
-            <a:spLocks/>
-          </p:cNvSpPr>
-          <p:nvPr/>
-        </p:nvSpPr>
-        <p:spPr bwMode="auto">
-          <a:xfrm>
-            <a:off x="268514" y="3698421"/>
-            <a:ext cx="8545286" cy="2905579"/>
-          </a:xfrm>
-          <a:prstGeom prst="rect">
-            <a:avLst/>
-          </a:prstGeom>
-          <a:noFill/>
-          <a:ln w="9525">
-            <a:noFill/>
-            <a:miter lim="800000"/>
-            <a:headEnd/>
-            <a:tailEnd/>
-          </a:ln>
-        </p:spPr>
-        <p:txBody>
-          <a:bodyPr vert="horz" wrap="square" lIns="91440" tIns="45720" rIns="91440" bIns="45720" numCol="1" anchor="t" anchorCtr="0" compatLnSpc="1">
-            <a:prstTxWarp prst="textNoShape">
-              <a:avLst/>
-            </a:prstTxWarp>
-          </a:bodyPr>
-          <a:lstStyle/>
-          <a:p>
-            <a:pPr marL="342900" indent="-342900" eaLnBrk="0" hangingPunct="0">
-              <a:buClr>
-                <a:srgbClr val="000080"/>
-              </a:buClr>
-              <a:buNone/>
-            </a:pPr>
-            <a:r>
-              <a:rPr kumimoji="1" lang="en-US" sz="2000" kern="0">
-                <a:solidFill>
-                  <a:srgbClr val="C70000"/>
-                </a:solidFill>
-                <a:latin typeface="+mn-lt"/>
-              </a:rPr>
-              <a:t>The problems are hard (our Security Team is “best of breed”):</a:t>
-            </a:r>
-            <a:endParaRPr kumimoji="1" lang="en-US" sz="2000" kern="0">
-              <a:solidFill>
-                <a:srgbClr val="008000"/>
-              </a:solidFill>
-              <a:latin typeface="+mn-lt"/>
-            </a:endParaRPr>
-          </a:p>
-          <a:p>
-            <a:pPr marL="800100" lvl="1" indent="-342900" eaLnBrk="0" hangingPunct="0">
-              <a:buClr>
-                <a:srgbClr val="000080"/>
-              </a:buClr>
-            </a:pPr>
-            <a:r>
-              <a:rPr kumimoji="1" lang="en-US" sz="2000" kern="0">
-                <a:solidFill>
-                  <a:srgbClr val="008000"/>
-                </a:solidFill>
-                <a:latin typeface="+mn-lt"/>
-              </a:rPr>
-              <a:t>Affects sites and users who can be advised but not required to make changes. </a:t>
-            </a:r>
-          </a:p>
-          <a:p>
-            <a:pPr marL="800100" lvl="1" indent="-342900" eaLnBrk="0" hangingPunct="0">
-              <a:buClr>
-                <a:srgbClr val="000080"/>
-              </a:buClr>
-            </a:pPr>
-            <a:r>
-              <a:rPr kumimoji="1" lang="en-US" sz="2000" kern="0">
-                <a:solidFill>
-                  <a:schemeClr val="tx2"/>
-                </a:solidFill>
-                <a:latin typeface="+mn-lt"/>
-              </a:rPr>
-              <a:t>Security Officer has authority to exert pressure through “removal” but...</a:t>
-            </a:r>
-          </a:p>
-          <a:p>
-            <a:pPr marL="800100" lvl="1" indent="-342900" eaLnBrk="0" hangingPunct="0">
-              <a:buClr>
-                <a:srgbClr val="000080"/>
-              </a:buClr>
-            </a:pPr>
-            <a:endParaRPr kumimoji="1" lang="en-US" sz="2000" kern="0">
-              <a:solidFill>
-                <a:srgbClr val="C70000"/>
-              </a:solidFill>
-              <a:latin typeface="+mn-lt"/>
-            </a:endParaRPr>
-          </a:p>
-          <a:p>
-            <a:pPr marL="342900" indent="-342900" eaLnBrk="0" hangingPunct="0">
-              <a:buClr>
-                <a:srgbClr val="000080"/>
-              </a:buClr>
-              <a:buNone/>
-            </a:pPr>
-            <a:r>
-              <a:rPr kumimoji="1" lang="en-US" sz="2000" kern="0">
-                <a:solidFill>
-                  <a:srgbClr val="C70000"/>
-                </a:solidFill>
-                <a:latin typeface="+mn-lt"/>
-              </a:rPr>
-              <a:t>I</a:t>
-            </a:r>
-            <a:r>
-              <a:rPr kumimoji="1" lang="en-US" sz="2000" b="0" i="0" u="none" strike="noStrike" kern="0" cap="none" spc="0" normalizeH="0" baseline="0" noProof="0">
-                <a:ln>
-                  <a:noFill/>
-                </a:ln>
-                <a:solidFill>
-                  <a:srgbClr val="C70000"/>
-                </a:solidFill>
-                <a:effectLst/>
-                <a:uLnTx/>
-                <a:uFillTx/>
-                <a:latin typeface="+mn-lt"/>
-                <a:ea typeface="+mn-ea"/>
-                <a:cs typeface="+mn-cs"/>
-              </a:rPr>
-              <a:t>s the goal</a:t>
-            </a:r>
-            <a:r>
-              <a:rPr kumimoji="1" lang="en-US" sz="2000" b="0" i="0" u="none" strike="noStrike" kern="0" cap="none" spc="0" normalizeH="0" noProof="0">
-                <a:ln>
-                  <a:noFill/>
-                </a:ln>
-                <a:solidFill>
-                  <a:srgbClr val="C70000"/>
-                </a:solidFill>
-                <a:effectLst/>
-                <a:uLnTx/>
-                <a:uFillTx/>
-                <a:latin typeface="+mn-lt"/>
-                <a:ea typeface="+mn-ea"/>
-                <a:cs typeface="+mn-cs"/>
-              </a:rPr>
-              <a:t> well defined?</a:t>
-            </a:r>
-            <a:endParaRPr kumimoji="1" lang="en-US" sz="2000" b="0" i="0" u="none" strike="noStrike" kern="0" cap="none" spc="0" normalizeH="0" baseline="0" noProof="0">
-              <a:ln>
-                <a:noFill/>
-              </a:ln>
-              <a:solidFill>
-                <a:srgbClr val="C70000"/>
-              </a:solidFill>
-              <a:effectLst/>
-              <a:uLnTx/>
-              <a:uFillTx/>
-              <a:latin typeface="+mn-lt"/>
-              <a:ea typeface="+mn-ea"/>
-              <a:cs typeface="+mn-cs"/>
-            </a:endParaRPr>
-          </a:p>
-          <a:p>
-            <a:pPr marL="342900" indent="-342900" eaLnBrk="0" hangingPunct="0">
-              <a:buClr>
-                <a:srgbClr val="000080"/>
-              </a:buClr>
-              <a:buNone/>
-            </a:pPr>
-            <a:r>
-              <a:rPr kumimoji="1" lang="en-US" sz="2000" kern="0">
-                <a:solidFill>
-                  <a:srgbClr val="C70000"/>
-                </a:solidFill>
-                <a:latin typeface="+mn-lt"/>
-              </a:rPr>
-              <a:t>Will the incident rate continue to grow at this rate?</a:t>
-            </a:r>
-          </a:p>
-          <a:p>
-            <a:pPr marL="800100" lvl="1" indent="-342900" eaLnBrk="0" hangingPunct="0">
-              <a:buClr>
-                <a:srgbClr val="000080"/>
-              </a:buClr>
-              <a:buNone/>
-            </a:pPr>
-            <a:endParaRPr kumimoji="1" lang="en-US" sz="2000" kern="0">
-              <a:solidFill>
-                <a:schemeClr val="tx2"/>
-              </a:solidFill>
-              <a:latin typeface="+mn-lt"/>
-            </a:endParaRPr>
-          </a:p>
-        </p:txBody>
-      </p:sp>
       <p:grpSp>
         <p:nvGrpSpPr>
-          <p:cNvPr id="6" name="Group 10"/>
+          <p:cNvPr id="3" name="Group 10"/>
           <p:cNvGrpSpPr>
             <a:grpSpLocks/>
           </p:cNvGrpSpPr>
@@ -4202,6 +4538,147 @@
           </p:txBody>
         </p:sp>
       </p:grpSp>
+      <p:sp>
+        <p:nvSpPr>
+          <p:cNvPr id="9" name="Content Placeholder 2"/>
+          <p:cNvSpPr txBox="1">
+            <a:spLocks/>
+          </p:cNvSpPr>
+          <p:nvPr/>
+        </p:nvSpPr>
+        <p:spPr bwMode="auto">
+          <a:xfrm>
+            <a:off x="342900" y="1257300"/>
+            <a:ext cx="8559800" cy="1384300"/>
+          </a:xfrm>
+          <a:prstGeom prst="rect">
+            <a:avLst/>
+          </a:prstGeom>
+          <a:noFill/>
+          <a:ln w="9525">
+            <a:noFill/>
+            <a:miter lim="800000"/>
+            <a:headEnd/>
+            <a:tailEnd/>
+          </a:ln>
+        </p:spPr>
+        <p:txBody>
+          <a:bodyPr vert="horz" wrap="square" lIns="91440" tIns="45720" rIns="91440" bIns="45720" numCol="1" anchor="t" anchorCtr="0" compatLnSpc="1">
+            <a:prstTxWarp prst="textNoShape">
+              <a:avLst/>
+            </a:prstTxWarp>
+          </a:bodyPr>
+          <a:lstStyle/>
+          <a:p>
+            <a:pPr marL="342900" marR="0" lvl="0" indent="-342900" algn="l" defTabSz="914400" rtl="0" eaLnBrk="0" fontAlgn="base" latinLnBrk="0" hangingPunct="0">
+              <a:lnSpc>
+                <a:spcPct val="100000"/>
+              </a:lnSpc>
+              <a:spcBef>
+                <a:spcPct val="20000"/>
+              </a:spcBef>
+              <a:spcAft>
+                <a:spcPct val="0"/>
+              </a:spcAft>
+              <a:buClr>
+                <a:srgbClr val="000080"/>
+              </a:buClr>
+              <a:buSzTx/>
+              <a:buFont typeface="Times" pitchFamily="-97" charset="0"/>
+              <a:buNone/>
+              <a:tabLst/>
+              <a:defRPr/>
+            </a:pPr>
+            <a:r>
+              <a:rPr kumimoji="1" lang="en-US" sz="2000" b="0" i="0" u="none" strike="noStrike" kern="0" cap="none" spc="0" normalizeH="0" baseline="0" noProof="0">
+                <a:ln>
+                  <a:noFill/>
+                </a:ln>
+                <a:solidFill>
+                  <a:schemeClr val="tx2"/>
+                </a:solidFill>
+                <a:effectLst/>
+                <a:uLnTx/>
+                <a:uFillTx/>
+                <a:latin typeface="+mn-lt"/>
+                <a:ea typeface="+mn-ea"/>
+                <a:cs typeface="+mn-cs"/>
+              </a:rPr>
+              <a:t>These</a:t>
+            </a:r>
+            <a:r>
+              <a:rPr kumimoji="1" lang="en-US" sz="2000" b="0" i="0" u="none" strike="noStrike" kern="0" cap="none" spc="0" normalizeH="0" noProof="0">
+                <a:ln>
+                  <a:noFill/>
+                </a:ln>
+                <a:solidFill>
+                  <a:schemeClr val="tx2"/>
+                </a:solidFill>
+                <a:effectLst/>
+                <a:uLnTx/>
+                <a:uFillTx/>
+                <a:latin typeface="+mn-lt"/>
+                <a:ea typeface="+mn-ea"/>
+                <a:cs typeface="+mn-cs"/>
+              </a:rPr>
+              <a:t> examples in the main show throughput values of the Facility; the easiest to measure but not really indicative of the effectiveness or “good-output” of the system. </a:t>
+            </a:r>
+          </a:p>
+          <a:p>
+            <a:pPr marL="342900" marR="0" lvl="0" indent="-342900" algn="l" defTabSz="914400" rtl="0" eaLnBrk="0" fontAlgn="base" latinLnBrk="0" hangingPunct="0">
+              <a:lnSpc>
+                <a:spcPct val="100000"/>
+              </a:lnSpc>
+              <a:spcBef>
+                <a:spcPct val="20000"/>
+              </a:spcBef>
+              <a:spcAft>
+                <a:spcPct val="0"/>
+              </a:spcAft>
+              <a:buClr>
+                <a:srgbClr val="000080"/>
+              </a:buClr>
+              <a:buSzTx/>
+              <a:buFont typeface="Times" pitchFamily="-97" charset="0"/>
+              <a:buNone/>
+              <a:tabLst/>
+              <a:defRPr/>
+            </a:pPr>
+            <a:r>
+              <a:rPr kumimoji="1" lang="en-US" sz="2000" kern="0" baseline="0">
+                <a:solidFill>
+                  <a:schemeClr val="tx2"/>
+                </a:solidFill>
+                <a:latin typeface="+mn-lt"/>
+              </a:rPr>
+              <a:t>We talk about scientifi</a:t>
+            </a:r>
+            <a:r>
+              <a:rPr kumimoji="1" lang="en-US" sz="2000" kern="0">
+                <a:solidFill>
+                  <a:schemeClr val="tx2"/>
+                </a:solidFill>
+                <a:latin typeface="+mn-lt"/>
+              </a:rPr>
+              <a:t>c publications later on in this talk.</a:t>
+            </a:r>
+            <a:endParaRPr kumimoji="1" lang="en-US" sz="2000" b="0" i="0" u="none" strike="noStrike" kern="0" cap="none" spc="0" normalizeH="0" baseline="0" noProof="0">
+              <a:ln>
+                <a:noFill/>
+              </a:ln>
+              <a:solidFill>
+                <a:schemeClr val="tx2"/>
+              </a:solidFill>
+              <a:effectLst/>
+              <a:uLnTx/>
+              <a:uFillTx/>
+              <a:latin typeface="+mn-lt"/>
+              <a:ea typeface="+mn-ea"/>
+              <a:cs typeface="+mn-cs"/>
+            </a:endParaRPr>
+          </a:p>
+        </p:txBody>
+      </p:sp>
     </p:spTree>
   </p:cSld>
   <p:clrMapOvr>
@@ -4251,7 +4728,7 @@
           <a:p>
             <a:r>
               <a:rPr lang="en-US"/>
-              <a:t>Example: Do we successfully Educate &amp; Train new entrants ?</a:t>
+              <a:t>Example: Response to need for Security Patches</a:t>
             </a:r>
           </a:p>
         </p:txBody>
@@ -4268,10 +4745,10 @@
         </p:nvSpPr>
         <p:spPr>
           <a:xfrm>
-            <a:off x="362857" y="1333500"/>
-            <a:ext cx="8345714" cy="2463800"/>
+            <a:off x="308428" y="1224642"/>
+            <a:ext cx="8545286" cy="2128158"/>
           </a:xfrm>
-          <a:ln w="19050" cap="flat" cmpd="sng" algn="ctr">
+          <a:ln w="12700" cap="flat" cmpd="sng" algn="ctr">
             <a:solidFill>
               <a:schemeClr val="accent1"/>
             </a:solidFill>
@@ -4294,7 +4771,15 @@
             </a:r>
             <a:r>
               <a:rPr lang="en-US" sz="2000"/>
-              <a:t> Train more than 300 people and have more than 10 run jobs on OSG after the class.</a:t>
+              <a:t> 95% of all high priority patches or security patches are released into the production infrastructure within 1 week of the first notice – defined as a way of showing commitment to security.</a:t>
+            </a:r>
+            <a:r>
+              <a:rPr lang="en-US" sz="2000" b="1"/>
+              <a:t> </a:t>
+            </a:r>
+            <a:r>
+              <a:rPr lang="en-US" sz="2000"/>
+              <a:t>NOT ACHIEVED</a:t>
             </a:r>
           </a:p>
           <a:p>
@@ -4304,10 +4789,10 @@
             <a:r>
               <a:rPr lang="en-US" sz="2000">
                 <a:solidFill>
-                  <a:schemeClr val="accent1"/>
+                  <a:srgbClr val="C70000"/>
                 </a:solidFill>
               </a:rPr>
-              <a:t>~250 people attended training including 3 traditional “OSG Grid Schools”. (40% students; 20% female; 30% facility researchers; 10% IT;35% minority)</a:t>
+              <a:t>18 of 23 (78%) of security-related tickets 18 were closed within 1 week.</a:t>
             </a:r>
           </a:p>
           <a:p>
@@ -4317,11 +4802,26 @@
             <a:r>
               <a:rPr lang="en-US" sz="2000">
                 <a:solidFill>
-                  <a:srgbClr val="008000"/>
+                  <a:srgbClr val="C70000"/>
                 </a:solidFill>
               </a:rPr>
-              <a:t>15 attendees ran jobs on OSG after the class ended.</a:t>
-            </a:r>
+              <a:t>FY08 saw twice the number of incidents than FY07 (more information</a:t>
+            </a:r>
+            <a:r>
+              <a:rPr lang="en-US" sz="2000"/>
+              <a:t> i</a:t>
+            </a:r>
+            <a:r>
+              <a:rPr lang="en-US" sz="2000">
+                <a:solidFill>
+                  <a:srgbClr val="C70000"/>
+                </a:solidFill>
+              </a:rPr>
+              <a:t>n the metrics report).</a:t>
+            </a:r>
+          </a:p>
+          <a:p>
+            <a:endParaRPr lang="en-US" sz="2400"/>
           </a:p>
         </p:txBody>
       </p:sp>
@@ -4364,8 +4864,8 @@
         </p:nvSpPr>
         <p:spPr bwMode="auto">
           <a:xfrm>
-            <a:off x="350157" y="4152900"/>
-            <a:ext cx="8345714" cy="1714500"/>
+            <a:off x="268514" y="3698421"/>
+            <a:ext cx="8545286" cy="2905579"/>
           </a:xfrm>
           <a:prstGeom prst="rect">
             <a:avLst/>
@@ -4386,23 +4886,49 @@
           </a:bodyPr>
           <a:lstStyle/>
           <a:p>
-            <a:pPr marL="342900" marR="0" lvl="0" indent="-342900" algn="l" defTabSz="914400" rtl="0" eaLnBrk="0" fontAlgn="base" latinLnBrk="0" hangingPunct="0">
-              <a:lnSpc>
-                <a:spcPct val="100000"/>
-              </a:lnSpc>
-              <a:spcBef>
-                <a:spcPct val="20000"/>
-              </a:spcBef>
-              <a:spcAft>
-                <a:spcPct val="0"/>
-              </a:spcAft>
+            <a:pPr marL="342900" indent="-342900" eaLnBrk="0" hangingPunct="0">
               <a:buClr>
                 <a:srgbClr val="000080"/>
               </a:buClr>
-              <a:buSzTx/>
               <a:buNone/>
-              <a:tabLst/>
-              <a:defRPr/>
+            </a:pPr>
+            <a:r>
+              <a:rPr kumimoji="1" lang="en-US" sz="2000" kern="0">
+                <a:solidFill>
+                  <a:srgbClr val="C70000"/>
+                </a:solidFill>
+                <a:latin typeface="+mn-lt"/>
+              </a:rPr>
+              <a:t>The problems are hard (our Security Team is “best of breed”):</a:t>
+            </a:r>
+            <a:endParaRPr kumimoji="1" lang="en-US" sz="2000" kern="0">
+              <a:solidFill>
+                <a:srgbClr val="008000"/>
+              </a:solidFill>
+              <a:latin typeface="+mn-lt"/>
+            </a:endParaRPr>
+          </a:p>
+          <a:p>
+            <a:pPr marL="800100" lvl="1" indent="-342900" eaLnBrk="0" hangingPunct="0">
+              <a:buClr>
+                <a:srgbClr val="000080"/>
+              </a:buClr>
+            </a:pPr>
+            <a:r>
+              <a:rPr kumimoji="1" lang="en-US" sz="2000" kern="0">
+                <a:solidFill>
+                  <a:srgbClr val="008000"/>
+                </a:solidFill>
+                <a:latin typeface="+mn-lt"/>
+              </a:rPr>
+              <a:t>Affects sites and users who can be advised but not required to make changes. </a:t>
+            </a:r>
+          </a:p>
+          <a:p>
+            <a:pPr marL="800100" lvl="1" indent="-342900" eaLnBrk="0" hangingPunct="0">
+              <a:buClr>
+                <a:srgbClr val="000080"/>
+              </a:buClr>
             </a:pPr>
             <a:r>
               <a:rPr kumimoji="1" lang="en-US" sz="2000" kern="0">
@@ -4411,32 +4937,33 @@
                 </a:solidFill>
                 <a:latin typeface="+mn-lt"/>
               </a:rPr>
-              <a:t>We are concerned about the low % of follow on users. </a:t>
-            </a:r>
-          </a:p>
-          <a:p>
-            <a:pPr marL="342900" marR="0" lvl="0" indent="-342900" algn="l" defTabSz="914400" rtl="0" eaLnBrk="0" fontAlgn="base" latinLnBrk="0" hangingPunct="0">
-              <a:lnSpc>
-                <a:spcPct val="100000"/>
-              </a:lnSpc>
-              <a:spcBef>
-                <a:spcPct val="20000"/>
-              </a:spcBef>
-              <a:spcAft>
-                <a:spcPct val="0"/>
-              </a:spcAft>
+              <a:t>Security Officer has authority to exert pressure through “removal” but...</a:t>
+            </a:r>
+          </a:p>
+          <a:p>
+            <a:pPr marL="800100" lvl="1" indent="-342900" eaLnBrk="0" hangingPunct="0">
               <a:buClr>
                 <a:srgbClr val="000080"/>
               </a:buClr>
-              <a:buSzTx/>
+            </a:pPr>
+            <a:endParaRPr kumimoji="1" lang="en-US" sz="2000" kern="0">
+              <a:solidFill>
+                <a:srgbClr val="C70000"/>
+              </a:solidFill>
+              <a:latin typeface="+mn-lt"/>
+            </a:endParaRPr>
+          </a:p>
+          <a:p>
+            <a:pPr marL="342900" indent="-342900" eaLnBrk="0" hangingPunct="0">
+              <a:buClr>
+                <a:srgbClr val="000080"/>
+              </a:buClr>
               <a:buNone/>
-              <a:tabLst/>
-              <a:defRPr/>
             </a:pPr>
             <a:r>
               <a:rPr kumimoji="1" lang="en-US" sz="2000" kern="0">
                 <a:solidFill>
-                  <a:schemeClr val="tx2"/>
+                  <a:srgbClr val="C70000"/>
                 </a:solidFill>
                 <a:latin typeface="+mn-lt"/>
               </a:rPr>
@@ -4448,7 +4975,7 @@
                   <a:noFill/>
                 </a:ln>
                 <a:solidFill>
-                  <a:schemeClr val="tx2"/>
+                  <a:srgbClr val="C70000"/>
                 </a:solidFill>
                 <a:effectLst/>
                 <a:uLnTx/>
@@ -4457,7 +4984,7 @@
                 <a:ea typeface="+mn-ea"/>
                 <a:cs typeface="+mn-cs"/>
               </a:rPr>
-              <a:t>n</a:t>
+              <a:t>s the goal</a:t>
             </a:r>
             <a:r>
               <a:rPr kumimoji="1" lang="en-US" sz="2000" b="0" i="0" u="none" strike="noStrike" kern="0" cap="none" spc="0" normalizeH="0" noProof="0">
@@ -4465,7 +4992,7 @@
                   <a:noFill/>
                 </a:ln>
                 <a:solidFill>
-                  <a:schemeClr val="tx2"/>
+                  <a:srgbClr val="C70000"/>
                 </a:solidFill>
                 <a:effectLst/>
                 <a:uLnTx/>
@@ -4474,35 +5001,14 @@
                 <a:ea typeface="+mn-ea"/>
                 <a:cs typeface="+mn-cs"/>
               </a:rPr>
-              <a:t> FY09 we are realigning the program to include more applications focus and to be more integrated with the OSG training for new user and site administrators, </a:t>
-            </a:r>
-          </a:p>
-          <a:p>
-            <a:pPr marL="342900" marR="0" lvl="0" indent="-342900" algn="l" defTabSz="914400" rtl="0" eaLnBrk="0" fontAlgn="base" latinLnBrk="0" hangingPunct="0">
-              <a:lnSpc>
-                <a:spcPct val="100000"/>
-              </a:lnSpc>
-              <a:spcBef>
-                <a:spcPct val="20000"/>
-              </a:spcBef>
-              <a:spcAft>
-                <a:spcPct val="0"/>
-              </a:spcAft>
-              <a:buClr>
-                <a:srgbClr val="000080"/>
-              </a:buClr>
-              <a:buSzTx/>
-              <a:buFont typeface="Times" pitchFamily="-97" charset="0"/>
-              <a:buChar char="•"/>
-              <a:tabLst/>
-              <a:defRPr/>
-            </a:pPr>
+              <a:t> well defined?</a:t>
+            </a:r>
             <a:endParaRPr kumimoji="1" lang="en-US" sz="2000" b="0" i="0" u="none" strike="noStrike" kern="0" cap="none" spc="0" normalizeH="0" baseline="0" noProof="0">
               <a:ln>
                 <a:noFill/>
               </a:ln>
               <a:solidFill>
-                <a:schemeClr val="tx2"/>
+                <a:srgbClr val="C70000"/>
               </a:solidFill>
               <a:effectLst/>
               <a:uLnTx/>
@@ -4513,38 +5019,34 @@
             </a:endParaRPr>
           </a:p>
           <a:p>
-            <a:pPr marL="342900" marR="0" lvl="0" indent="-342900" algn="l" defTabSz="914400" rtl="0" eaLnBrk="0" fontAlgn="base" latinLnBrk="0" hangingPunct="0">
-              <a:lnSpc>
-                <a:spcPct val="100000"/>
-              </a:lnSpc>
-              <a:spcBef>
-                <a:spcPct val="20000"/>
-              </a:spcBef>
-              <a:spcAft>
-                <a:spcPct val="0"/>
-              </a:spcAft>
+            <a:pPr marL="342900" indent="-342900" eaLnBrk="0" hangingPunct="0">
               <a:buClr>
                 <a:srgbClr val="000080"/>
               </a:buClr>
-              <a:buSzTx/>
-              <a:buFont typeface="Times" pitchFamily="-97" charset="0"/>
-              <a:buChar char="•"/>
-              <a:tabLst/>
-              <a:defRPr/>
+              <a:buNone/>
             </a:pPr>
-            <a:endParaRPr kumimoji="1" lang="en-US" sz="3200" b="0" i="0" u="none" strike="noStrike" kern="0" cap="none" spc="0" normalizeH="0" baseline="0" noProof="0">
-              <a:ln>
-                <a:noFill/>
-              </a:ln>
+            <a:r>
+              <a:rPr kumimoji="1" lang="en-US" sz="2000" kern="0">
+                <a:solidFill>
+                  <a:srgbClr val="C70000"/>
+                </a:solidFill>
+                <a:latin typeface="+mn-lt"/>
+              </a:rPr>
+              <a:t>Will the incident rate continue to grow at this rate?</a:t>
+            </a:r>
+          </a:p>
+          <a:p>
+            <a:pPr marL="800100" lvl="1" indent="-342900" eaLnBrk="0" hangingPunct="0">
+              <a:buClr>
+                <a:srgbClr val="000080"/>
+              </a:buClr>
+              <a:buNone/>
+            </a:pPr>
+            <a:endParaRPr kumimoji="1" lang="en-US" sz="2000" kern="0">
               <a:solidFill>
                 <a:schemeClr val="tx2"/>
               </a:solidFill>
-              <a:effectLst/>
-              <a:uLnTx/>
-              <a:uFillTx/>
               <a:latin typeface="+mn-lt"/>
-              <a:ea typeface="+mn-ea"/>
-              <a:cs typeface="+mn-cs"/>
             </a:endParaRPr>
           </a:p>
         </p:txBody>
@@ -4736,7 +5238,7 @@
           <a:p>
             <a:r>
               <a:rPr lang="en-US"/>
-              <a:t>The January Review (1)</a:t>
+              <a:t>Example: Do we successfully Educate &amp; Train new entrants ?</a:t>
             </a:r>
           </a:p>
         </p:txBody>
@@ -4753,103 +5255,425 @@
         </p:nvSpPr>
         <p:spPr>
           <a:xfrm>
-            <a:off x="457200" y="1417638"/>
-            <a:ext cx="8229600" cy="5059362"/>
+            <a:off x="362857" y="1333500"/>
+            <a:ext cx="8345714" cy="2463800"/>
           </a:xfrm>
+          <a:ln w="19050" cap="flat" cmpd="sng" algn="ctr">
+            <a:solidFill>
+              <a:schemeClr val="accent1"/>
+            </a:solidFill>
+            <a:prstDash val="solid"/>
+            <a:miter lim="800000"/>
+            <a:headEnd type="none" w="med" len="med"/>
+            <a:tailEnd type="none" w="med" len="med"/>
+          </a:ln>
         </p:spPr>
         <p:txBody>
-          <a:bodyPr>
-            <a:normAutofit/>
-          </a:bodyPr>
+          <a:bodyPr/>
           <a:lstStyle/>
-          <a:p>
-            <a:r>
-              <a:rPr lang="en-US" sz="2400"/>
-              <a:t>Charge &amp; Reviewers </a:t>
-            </a:r>
-          </a:p>
-          <a:p>
-            <a:r>
-              <a:rPr lang="en-US" sz="2400"/>
-              <a:t>Closeout</a:t>
-            </a:r>
-          </a:p>
           <a:p>
             <a:pPr>
               <a:buNone/>
             </a:pPr>
             <a:r>
-              <a:rPr lang="en-US" sz="1800">
+              <a:rPr lang="en-US" sz="2000" b="1"/>
+              <a:t>Goal:</a:t>
+            </a:r>
+            <a:r>
+              <a:rPr lang="en-US" sz="2000"/>
+              <a:t> Train more than 300 people and have more than 10 run jobs on OSG after the class.</a:t>
+            </a:r>
+          </a:p>
+          <a:p>
+            <a:pPr>
+              <a:buClrTx/>
+            </a:pPr>
+            <a:r>
+              <a:rPr lang="en-US" sz="2000">
                 <a:solidFill>
-                  <a:srgbClr val="FF6600"/>
+                  <a:schemeClr val="accent1"/>
                 </a:solidFill>
               </a:rPr>
-              <a:t>Continued Challenges:</a:t>
-            </a:r>
-          </a:p>
-          <a:p>
-            <a:pPr lvl="1"/>
-            <a:r>
-              <a:rPr lang="en-US" sz="1800"/>
-              <a:t>Scientific productivity argument could be presented in a more compelling manner.</a:t>
-            </a:r>
-          </a:p>
-          <a:p>
-            <a:pPr lvl="1"/>
-            <a:r>
-              <a:rPr lang="en-US" sz="1800"/>
-              <a:t>Can’t rely on interaction with VOs to effectively represent what’s happening in end user community.</a:t>
-            </a:r>
-          </a:p>
-          <a:p>
-            <a:pPr lvl="1"/>
-            <a:r>
-              <a:rPr lang="en-US" sz="1800"/>
-              <a:t>Didn’t tell OSG’s excellent story in a cohesive way.</a:t>
+              <a:t>~250 people attended training including 3 traditional “OSG Grid Schools”. (40% students; 20% female; 30% facility researchers; 10% IT;35% minority)</a:t>
             </a:r>
           </a:p>
           <a:p>
             <a:pPr>
-              <a:buNone/>
+              <a:buClrTx/>
             </a:pPr>
             <a:r>
-              <a:rPr lang="en-US" sz="1800">
+              <a:rPr lang="en-US" sz="2000">
                 <a:solidFill>
-                  <a:srgbClr val="FF6600"/>
+                  <a:srgbClr val="008000"/>
                 </a:solidFill>
               </a:rPr>
-              <a:t>Accomplishments: </a:t>
-            </a:r>
-          </a:p>
-          <a:p>
-            <a:pPr lvl="1"/>
-            <a:r>
-              <a:rPr lang="en-US" sz="1800"/>
-              <a:t>OSG is a very critical piece of the infrastructure for the LHC and potentially important for LIGO.</a:t>
-            </a:r>
-          </a:p>
-          <a:p>
-            <a:pPr lvl="1"/>
-            <a:r>
-              <a:rPr lang="en-US" sz="1800"/>
-              <a:t>This initiative has significant potential value for other large-scale science endeavors.</a:t>
-            </a:r>
-          </a:p>
-          <a:p>
-            <a:pPr lvl="1"/>
-            <a:r>
-              <a:rPr lang="en-US" sz="1800"/>
-              <a:t>Clear that model for incorporating new HW resources can be successful – i.e. enabled CDF resources for D0 re-processing.</a:t>
-            </a:r>
-          </a:p>
-          <a:p>
-            <a:endParaRPr lang="en-US" sz="2400"/>
-          </a:p>
-          <a:p>
-            <a:endParaRPr lang="en-US" sz="2400"/>
-          </a:p>
-        </p:txBody>
-      </p:sp>
+              <a:t>15 attendees ran jobs on OSG after the class ended.</a:t>
+            </a:r>
+          </a:p>
+        </p:txBody>
+      </p:sp>
+      <p:sp>
+        <p:nvSpPr>
+          <p:cNvPr id="4" name="Slide Number Placeholder 3"/>
+          <p:cNvSpPr>
+            <a:spLocks noGrp="1"/>
+          </p:cNvSpPr>
+          <p:nvPr>
+            <p:ph type="sldNum" sz="quarter" idx="10"/>
+          </p:nvPr>
+        </p:nvSpPr>
+        <p:spPr/>
+        <p:txBody>
+          <a:bodyPr/>
+          <a:lstStyle/>
+          <a:p>
+            <a:pPr>
+              <a:defRPr/>
+            </a:pPr>
+            <a:fld id="{C0C4A7A6-595F-FE47-AE10-398FE3A6E33C}" type="slidenum">
+              <a:rPr lang="en-US"/>
+              <a:pPr>
+                <a:defRPr/>
+              </a:pPr>
+              <a:t>12</a:t>
+            </a:fld>
+            <a:endParaRPr lang="en-US"/>
+          </a:p>
+        </p:txBody>
+      </p:sp>
+      <p:sp>
+        <p:nvSpPr>
+          <p:cNvPr id="5" name="Content Placeholder 2"/>
+          <p:cNvSpPr txBox="1">
+            <a:spLocks/>
+          </p:cNvSpPr>
+          <p:nvPr/>
+        </p:nvSpPr>
+        <p:spPr bwMode="auto">
+          <a:xfrm>
+            <a:off x="350157" y="4152900"/>
+            <a:ext cx="8345714" cy="1714500"/>
+          </a:xfrm>
+          <a:prstGeom prst="rect">
+            <a:avLst/>
+          </a:prstGeom>
+          <a:noFill/>
+          <a:ln w="9525">
+            <a:noFill/>
+            <a:miter lim="800000"/>
+            <a:headEnd/>
+            <a:tailEnd/>
+          </a:ln>
+        </p:spPr>
+        <p:txBody>
+          <a:bodyPr vert="horz" wrap="square" lIns="91440" tIns="45720" rIns="91440" bIns="45720" numCol="1" anchor="t" anchorCtr="0" compatLnSpc="1">
+            <a:prstTxWarp prst="textNoShape">
+              <a:avLst/>
+            </a:prstTxWarp>
+          </a:bodyPr>
+          <a:lstStyle/>
+          <a:p>
+            <a:pPr marL="342900" marR="0" lvl="0" indent="-342900" algn="l" defTabSz="914400" rtl="0" eaLnBrk="0" fontAlgn="base" latinLnBrk="0" hangingPunct="0">
+              <a:lnSpc>
+                <a:spcPct val="100000"/>
+              </a:lnSpc>
+              <a:spcBef>
+                <a:spcPct val="20000"/>
+              </a:spcBef>
+              <a:spcAft>
+                <a:spcPct val="0"/>
+              </a:spcAft>
+              <a:buClr>
+                <a:srgbClr val="000080"/>
+              </a:buClr>
+              <a:buSzTx/>
+              <a:buNone/>
+              <a:tabLst/>
+              <a:defRPr/>
+            </a:pPr>
+            <a:r>
+              <a:rPr kumimoji="1" lang="en-US" sz="2000" kern="0">
+                <a:solidFill>
+                  <a:schemeClr val="tx2"/>
+                </a:solidFill>
+                <a:latin typeface="+mn-lt"/>
+              </a:rPr>
+              <a:t>We are concerned about the low % of follow on users. </a:t>
+            </a:r>
+          </a:p>
+          <a:p>
+            <a:pPr marL="342900" marR="0" lvl="0" indent="-342900" algn="l" defTabSz="914400" rtl="0" eaLnBrk="0" fontAlgn="base" latinLnBrk="0" hangingPunct="0">
+              <a:lnSpc>
+                <a:spcPct val="100000"/>
+              </a:lnSpc>
+              <a:spcBef>
+                <a:spcPct val="20000"/>
+              </a:spcBef>
+              <a:spcAft>
+                <a:spcPct val="0"/>
+              </a:spcAft>
+              <a:buClr>
+                <a:srgbClr val="000080"/>
+              </a:buClr>
+              <a:buSzTx/>
+              <a:buNone/>
+              <a:tabLst/>
+              <a:defRPr/>
+            </a:pPr>
+            <a:r>
+              <a:rPr kumimoji="1" lang="en-US" sz="2000" kern="0">
+                <a:solidFill>
+                  <a:schemeClr val="tx2"/>
+                </a:solidFill>
+                <a:latin typeface="+mn-lt"/>
+              </a:rPr>
+              <a:t>I</a:t>
+            </a:r>
+            <a:r>
+              <a:rPr kumimoji="1" lang="en-US" sz="2000" b="0" i="0" u="none" strike="noStrike" kern="0" cap="none" spc="0" normalizeH="0" baseline="0" noProof="0">
+                <a:ln>
+                  <a:noFill/>
+                </a:ln>
+                <a:solidFill>
+                  <a:schemeClr val="tx2"/>
+                </a:solidFill>
+                <a:effectLst/>
+                <a:uLnTx/>
+                <a:uFillTx/>
+                <a:latin typeface="+mn-lt"/>
+                <a:ea typeface="+mn-ea"/>
+                <a:cs typeface="+mn-cs"/>
+              </a:rPr>
+              <a:t>n</a:t>
+            </a:r>
+            <a:r>
+              <a:rPr kumimoji="1" lang="en-US" sz="2000" b="0" i="0" u="none" strike="noStrike" kern="0" cap="none" spc="0" normalizeH="0" noProof="0">
+                <a:ln>
+                  <a:noFill/>
+                </a:ln>
+                <a:solidFill>
+                  <a:schemeClr val="tx2"/>
+                </a:solidFill>
+                <a:effectLst/>
+                <a:uLnTx/>
+                <a:uFillTx/>
+                <a:latin typeface="+mn-lt"/>
+                <a:ea typeface="+mn-ea"/>
+                <a:cs typeface="+mn-cs"/>
+              </a:rPr>
+              <a:t> FY09 we are realigning the program to include more applications focus and to be more integrated with the OSG training for new user and site administrators, </a:t>
+            </a:r>
+          </a:p>
+          <a:p>
+            <a:pPr marL="342900" marR="0" lvl="0" indent="-342900" algn="l" defTabSz="914400" rtl="0" eaLnBrk="0" fontAlgn="base" latinLnBrk="0" hangingPunct="0">
+              <a:lnSpc>
+                <a:spcPct val="100000"/>
+              </a:lnSpc>
+              <a:spcBef>
+                <a:spcPct val="20000"/>
+              </a:spcBef>
+              <a:spcAft>
+                <a:spcPct val="0"/>
+              </a:spcAft>
+              <a:buClr>
+                <a:srgbClr val="000080"/>
+              </a:buClr>
+              <a:buSzTx/>
+              <a:buFont typeface="Times" pitchFamily="-97" charset="0"/>
+              <a:buChar char="•"/>
+              <a:tabLst/>
+              <a:defRPr/>
+            </a:pPr>
+            <a:endParaRPr kumimoji="1" lang="en-US" sz="2000" b="0" i="0" u="none" strike="noStrike" kern="0" cap="none" spc="0" normalizeH="0" baseline="0" noProof="0">
+              <a:ln>
+                <a:noFill/>
+              </a:ln>
+              <a:solidFill>
+                <a:schemeClr val="tx2"/>
+              </a:solidFill>
+              <a:effectLst/>
+              <a:uLnTx/>
+              <a:uFillTx/>
+              <a:latin typeface="+mn-lt"/>
+              <a:ea typeface="+mn-ea"/>
+              <a:cs typeface="+mn-cs"/>
+            </a:endParaRPr>
+          </a:p>
+          <a:p>
+            <a:pPr marL="342900" marR="0" lvl="0" indent="-342900" algn="l" defTabSz="914400" rtl="0" eaLnBrk="0" fontAlgn="base" latinLnBrk="0" hangingPunct="0">
+              <a:lnSpc>
+                <a:spcPct val="100000"/>
+              </a:lnSpc>
+              <a:spcBef>
+                <a:spcPct val="20000"/>
+              </a:spcBef>
+              <a:spcAft>
+                <a:spcPct val="0"/>
+              </a:spcAft>
+              <a:buClr>
+                <a:srgbClr val="000080"/>
+              </a:buClr>
+              <a:buSzTx/>
+              <a:buFont typeface="Times" pitchFamily="-97" charset="0"/>
+              <a:buChar char="•"/>
+              <a:tabLst/>
+              <a:defRPr/>
+            </a:pPr>
+            <a:endParaRPr kumimoji="1" lang="en-US" sz="3200" b="0" i="0" u="none" strike="noStrike" kern="0" cap="none" spc="0" normalizeH="0" baseline="0" noProof="0">
+              <a:ln>
+                <a:noFill/>
+              </a:ln>
+              <a:solidFill>
+                <a:schemeClr val="tx2"/>
+              </a:solidFill>
+              <a:effectLst/>
+              <a:uLnTx/>
+              <a:uFillTx/>
+              <a:latin typeface="+mn-lt"/>
+              <a:ea typeface="+mn-ea"/>
+              <a:cs typeface="+mn-cs"/>
+            </a:endParaRPr>
+          </a:p>
+        </p:txBody>
+      </p:sp>
+      <p:grpSp>
+        <p:nvGrpSpPr>
+          <p:cNvPr id="6" name="Group 10"/>
+          <p:cNvGrpSpPr>
+            <a:grpSpLocks/>
+          </p:cNvGrpSpPr>
+          <p:nvPr/>
+        </p:nvGrpSpPr>
+        <p:grpSpPr bwMode="auto">
+          <a:xfrm>
+            <a:off x="8343900" y="254000"/>
+            <a:ext cx="558800" cy="431800"/>
+            <a:chOff x="160868" y="6028266"/>
+            <a:chExt cx="558800" cy="431800"/>
+          </a:xfrm>
+        </p:grpSpPr>
+        <p:sp>
+          <p:nvSpPr>
+            <p:cNvPr id="7" name="Rounded Rectangle 6"/>
+            <p:cNvSpPr/>
+            <p:nvPr/>
+          </p:nvSpPr>
+          <p:spPr bwMode="auto">
+            <a:xfrm>
+              <a:off x="168806" y="6028266"/>
+              <a:ext cx="550862" cy="431800"/>
+            </a:xfrm>
+            <a:prstGeom prst="roundRect">
+              <a:avLst/>
+            </a:prstGeom>
+            <a:solidFill>
+              <a:schemeClr val="accent2">
+                <a:lumMod val="20000"/>
+                <a:lumOff val="80000"/>
+              </a:schemeClr>
+            </a:solidFill>
+            <a:ln w="9525" cap="flat" cmpd="sng" algn="ctr">
+              <a:solidFill>
+                <a:schemeClr val="tx1"/>
+              </a:solidFill>
+              <a:prstDash val="solid"/>
+              <a:round/>
+              <a:headEnd type="none" w="med" len="med"/>
+              <a:tailEnd type="none" w="med" len="med"/>
+            </a:ln>
+            <a:effectLst/>
+          </p:spPr>
+          <p:txBody>
+            <a:bodyPr>
+              <a:prstTxWarp prst="textNoShape">
+                <a:avLst/>
+              </a:prstTxWarp>
+            </a:bodyPr>
+            <a:lstStyle/>
+            <a:p>
+              <a:pPr algn="l">
+                <a:spcBef>
+                  <a:spcPct val="20000"/>
+                </a:spcBef>
+                <a:buFontTx/>
+                <a:buChar char="•"/>
+                <a:defRPr/>
+              </a:pPr>
+              <a:endParaRPr lang="en-US" sz="2400">
+                <a:solidFill>
+                  <a:schemeClr val="tx1"/>
+                </a:solidFill>
+                <a:latin typeface="Arial" charset="0"/>
+                <a:ea typeface="+mn-ea"/>
+                <a:cs typeface="+mn-cs"/>
+              </a:endParaRPr>
+            </a:p>
+          </p:txBody>
+        </p:sp>
+        <p:sp>
+          <p:nvSpPr>
+            <p:cNvPr id="8" name="TextBox 12"/>
+            <p:cNvSpPr txBox="1">
+              <a:spLocks noChangeArrowheads="1"/>
+            </p:cNvSpPr>
+            <p:nvPr/>
+          </p:nvSpPr>
+          <p:spPr bwMode="auto">
+            <a:xfrm>
+              <a:off x="160868" y="6052079"/>
+              <a:ext cx="558800" cy="338554"/>
+            </a:xfrm>
+            <a:prstGeom prst="rect">
+              <a:avLst/>
+            </a:prstGeom>
+            <a:noFill/>
+            <a:ln w="9525">
+              <a:noFill/>
+              <a:miter lim="800000"/>
+              <a:headEnd/>
+              <a:tailEnd/>
+            </a:ln>
+          </p:spPr>
+          <p:txBody>
+            <a:bodyPr anchor="ctr">
+              <a:prstTxWarp prst="textNoShape">
+                <a:avLst/>
+              </a:prstTxWarp>
+              <a:spAutoFit/>
+            </a:bodyPr>
+            <a:lstStyle/>
+            <a:p>
+              <a:pPr algn="ctr">
+                <a:spcBef>
+                  <a:spcPct val="20000"/>
+                </a:spcBef>
+                <a:buNone/>
+              </a:pPr>
+              <a:r>
+                <a:rPr lang="en-US" sz="1600">
+                  <a:solidFill>
+                    <a:schemeClr val="tx2"/>
+                  </a:solidFill>
+                  <a:ea typeface="ＭＳ Ｐゴシック" pitchFamily="-97" charset="-128"/>
+                  <a:cs typeface="ＭＳ Ｐゴシック" pitchFamily="-97" charset="-128"/>
+                </a:rPr>
+                <a:t>3</a:t>
+              </a:r>
+              <a:r>
+                <a:rPr lang="en-US" sz="1600">
+                  <a:solidFill>
+                    <a:schemeClr val="tx2"/>
+                  </a:solidFill>
+                  <a:latin typeface="Arial" pitchFamily="-97" charset="0"/>
+                  <a:ea typeface="ＭＳ Ｐゴシック" pitchFamily="-97" charset="-128"/>
+                  <a:cs typeface="ＭＳ Ｐゴシック" pitchFamily="-97" charset="-128"/>
+                </a:rPr>
+                <a:t>a</a:t>
+              </a:r>
+            </a:p>
+          </p:txBody>
+        </p:sp>
+      </p:grpSp>
     </p:spTree>
   </p:cSld>
   <p:clrMapOvr>
@@ -4899,7 +5723,7 @@
           <a:p>
             <a:r>
               <a:rPr lang="en-US"/>
-              <a:t>Encouragement to Proceed</a:t>
+              <a:t>The January Review (1)</a:t>
             </a:r>
           </a:p>
         </p:txBody>
@@ -4914,54 +5738,102 @@
             <p:ph idx="1"/>
           </p:nvPr>
         </p:nvSpPr>
-        <p:spPr/>
+        <p:spPr>
+          <a:xfrm>
+            <a:off x="457200" y="1417638"/>
+            <a:ext cx="8229600" cy="5059362"/>
+          </a:xfrm>
+        </p:spPr>
         <p:txBody>
           <a:bodyPr>
             <a:normAutofit/>
           </a:bodyPr>
           <a:lstStyle/>
           <a:p>
-            <a:pPr lvl="0">
+            <a:r>
+              <a:rPr lang="en-US" sz="2400"/>
+              <a:t>Charge &amp; Reviewers </a:t>
+            </a:r>
+          </a:p>
+          <a:p>
+            <a:r>
+              <a:rPr lang="en-US" sz="2400"/>
+              <a:t>Closeout</a:t>
+            </a:r>
+          </a:p>
+          <a:p>
+            <a:pPr>
               <a:buNone/>
             </a:pPr>
             <a:r>
+              <a:rPr lang="en-US" sz="1800">
+                <a:solidFill>
+                  <a:srgbClr val="FF6600"/>
+                </a:solidFill>
+              </a:rPr>
+              <a:t>Continued Challenges:</a:t>
+            </a:r>
+          </a:p>
+          <a:p>
+            <a:pPr lvl="1"/>
+            <a:r>
               <a:rPr lang="en-US" sz="1800"/>
-              <a:t>National cyberinfrastructure, of this type (OSG) is important, getting established and funding agencies need to appreciate the importance of this evolution.  Encourage broad thinking on this by agencies and researchers.</a:t>
+              <a:t>Scientific productivity argument could be presented in a more compelling manner.</a:t>
             </a:r>
           </a:p>
           <a:p>
             <a:pPr lvl="1"/>
             <a:r>
               <a:rPr lang="en-US" sz="1800"/>
-              <a:t>Larger returns possible from serving large scale science (short term) communities. (i.e. climate community)</a:t>
-            </a:r>
-          </a:p>
-          <a:p>
-            <a:pPr lvl="0">
+              <a:t>Can’t rely on interaction with VOs to effectively represent what’s happening in end user community.</a:t>
+            </a:r>
+          </a:p>
+          <a:p>
+            <a:pPr lvl="1"/>
+            <a:r>
+              <a:rPr lang="en-US" sz="1800"/>
+              <a:t>Didn’t tell OSG’s excellent story in a cohesive way.</a:t>
+            </a:r>
+          </a:p>
+          <a:p>
+            <a:pPr>
               <a:buNone/>
             </a:pPr>
             <a:r>
+              <a:rPr lang="en-US" sz="1800">
+                <a:solidFill>
+                  <a:srgbClr val="FF6600"/>
+                </a:solidFill>
+              </a:rPr>
+              <a:t>Accomplishments: </a:t>
+            </a:r>
+          </a:p>
+          <a:p>
+            <a:pPr lvl="1"/>
+            <a:r>
               <a:rPr lang="en-US" sz="1800"/>
-              <a:t>Continue to engage in the larger strategic questions of national cyberinfrastructure(s) among relevant parties. </a:t>
-            </a:r>
-          </a:p>
-          <a:p>
-            <a:pPr lvl="0">
-              <a:buNone/>
-            </a:pPr>
+              <a:t>OSG is a very critical piece of the infrastructure for the LHC and potentially important for LIGO.</a:t>
+            </a:r>
+          </a:p>
+          <a:p>
+            <a:pPr lvl="1"/>
             <a:r>
               <a:rPr lang="en-US" sz="1800"/>
-              <a:t> Continue to iterate on the best rules and framework for federation – evolutionary and strategic for all large cyberinfrastructures – be focused and need-driven (i.e. archival storage).  </a:t>
-            </a:r>
-          </a:p>
-          <a:p>
-            <a:pPr lvl="0">
-              <a:buNone/>
-            </a:pPr>
+              <a:t>This initiative has significant potential value for other large-scale science endeavors.</a:t>
+            </a:r>
+          </a:p>
+          <a:p>
+            <a:pPr lvl="1"/>
             <a:r>
               <a:rPr lang="en-US" sz="1800"/>
-              <a:t>Create conditions at the right levels for discussion of frontier issues of cyberinfrastructure.</a:t>
-            </a:r>
+              <a:t>Clear that model for incorporating new HW resources can be successful – i.e. enabled CDF resources for D0 re-processing.</a:t>
+            </a:r>
+          </a:p>
+          <a:p>
+            <a:endParaRPr lang="en-US" sz="2400"/>
+          </a:p>
+          <a:p>
+            <a:endParaRPr lang="en-US" sz="2400"/>
           </a:p>
         </p:txBody>
       </p:sp>
@@ -5007,19 +5879,14 @@
             <p:ph type="title"/>
           </p:nvPr>
         </p:nvSpPr>
-        <p:spPr>
-          <a:xfrm>
-            <a:off x="457200" y="0"/>
-            <a:ext cx="8229600" cy="1143000"/>
-          </a:xfrm>
-        </p:spPr>
+        <p:spPr/>
         <p:txBody>
           <a:bodyPr/>
           <a:lstStyle/>
           <a:p>
             <a:r>
               <a:rPr lang="en-US"/>
-              <a:t>FY09 to date</a:t>
+              <a:t>Encouragement to Proceed</a:t>
             </a:r>
           </a:p>
         </p:txBody>
@@ -5034,81 +5901,54 @@
             <p:ph idx="1"/>
           </p:nvPr>
         </p:nvSpPr>
-        <p:spPr>
-          <a:xfrm>
-            <a:off x="304800" y="838200"/>
-            <a:ext cx="8610600" cy="5410200"/>
-          </a:xfrm>
-        </p:spPr>
-        <p:txBody>
-          <a:bodyPr/>
+        <p:spPr/>
+        <p:txBody>
+          <a:bodyPr>
+            <a:normAutofit/>
+          </a:bodyPr>
           <a:lstStyle/>
           <a:p>
-            <a:r>
-              <a:rPr lang="en-US"/>
-              <a:t>Collected requirements from the experiments. </a:t>
-            </a:r>
-          </a:p>
-          <a:p>
-            <a:r>
-              <a:rPr lang="en-US"/>
-              <a:t>Agreed on priorities between OSG and the experiments. WBS written by area coordinators with project manager and baselined. 1</a:t>
-            </a:r>
-            <a:r>
-              <a:rPr lang="en-US" baseline="30000"/>
-              <a:t>st</a:t>
-            </a:r>
-            <a:r>
-              <a:rPr lang="en-US"/>
-              <a:t> quarter update in progress. </a:t>
+            <a:pPr lvl="0">
+              <a:buNone/>
+            </a:pPr>
+            <a:r>
+              <a:rPr lang="en-US" sz="1800"/>
+              <a:t>National cyberinfrastructure, of this type (OSG) is important, getting established and funding agencies need to appreciate the importance of this evolution.  Encourage broad thinking on this by agencies and researchers.</a:t>
             </a:r>
           </a:p>
           <a:p>
             <a:pPr lvl="1"/>
             <a:r>
-              <a:rPr lang="en-US"/>
-              <a:t>New face: Dave Ritchie Communications area coordinator.</a:t>
-            </a:r>
-          </a:p>
-          <a:p>
-            <a:pPr lvl="1"/>
-            <a:r>
-              <a:rPr lang="en-US"/>
-              <a:t>Software task lists defined and tracked by Software Tools Group which provides oversight of all s/w work in the project.</a:t>
-            </a:r>
-          </a:p>
-          <a:p>
-            <a:r>
-              <a:rPr lang="en-US"/>
-              <a:t>All Hands meeting &amp; talk;</a:t>
-            </a:r>
-          </a:p>
-          <a:p>
-            <a:r>
-              <a:rPr lang="en-US"/>
-              <a:t>Major account managers; Quarterly meetings with key stakholders; Annual phone meetings with partners; are all being useful.</a:t>
-            </a:r>
-          </a:p>
-          <a:p>
-            <a:r>
-              <a:rPr lang="en-US"/>
-              <a:t>Value of OSG document – sometime request of Council. Would ask for a review of this.</a:t>
-            </a:r>
-          </a:p>
-          <a:p>
-            <a:r>
-              <a:rPr lang="en-US"/>
-              <a:t>WLCG MB accounting/ availability reporting in place; Installed Capacity in implementation</a:t>
-            </a:r>
-          </a:p>
-          <a:p>
-            <a:endParaRPr lang="en-US"/>
-          </a:p>
-          <a:p>
-            <a:endParaRPr lang="en-US"/>
-          </a:p>
-          <a:p>
-            <a:endParaRPr lang="en-US"/>
+              <a:rPr lang="en-US" sz="1800"/>
+              <a:t>Larger returns possible from serving large scale science (short term) communities. (i.e. climate community)</a:t>
+            </a:r>
+          </a:p>
+          <a:p>
+            <a:pPr lvl="0">
+              <a:buNone/>
+            </a:pPr>
+            <a:r>
+              <a:rPr lang="en-US" sz="1800"/>
+              <a:t>Continue to engage in the larger strategic questions of national cyberinfrastructure(s) among relevant parties. </a:t>
+            </a:r>
+          </a:p>
+          <a:p>
+            <a:pPr lvl="0">
+              <a:buNone/>
+            </a:pPr>
+            <a:r>
+              <a:rPr lang="en-US" sz="1800"/>
+              <a:t> Continue to iterate on the best rules and framework for federation – evolutionary and strategic for all large cyberinfrastructures – be focused and need-driven (i.e. archival storage).  </a:t>
+            </a:r>
+          </a:p>
+          <a:p>
+            <a:pPr lvl="0">
+              <a:buNone/>
+            </a:pPr>
+            <a:r>
+              <a:rPr lang="en-US" sz="1800"/>
+              <a:t>Create conditions at the right levels for discussion of frontier issues of cyberinfrastructure.</a:t>
+            </a:r>
           </a:p>
         </p:txBody>
       </p:sp>
@@ -5154,14 +5994,19 @@
             <p:ph type="title"/>
           </p:nvPr>
         </p:nvSpPr>
-        <p:spPr/>
+        <p:spPr>
+          <a:xfrm>
+            <a:off x="457200" y="0"/>
+            <a:ext cx="8229600" cy="1143000"/>
+          </a:xfrm>
+        </p:spPr>
         <p:txBody>
           <a:bodyPr/>
           <a:lstStyle/>
           <a:p>
             <a:r>
               <a:rPr lang="en-US"/>
-              <a:t>All Hands Meeting </a:t>
+              <a:t>FY09 to date</a:t>
             </a:r>
           </a:p>
         </p:txBody>
@@ -5176,41 +6021,81 @@
             <p:ph idx="1"/>
           </p:nvPr>
         </p:nvSpPr>
-        <p:spPr/>
+        <p:spPr>
+          <a:xfrm>
+            <a:off x="304800" y="838200"/>
+            <a:ext cx="8610600" cy="5410200"/>
+          </a:xfrm>
+        </p:spPr>
         <p:txBody>
           <a:bodyPr/>
           <a:lstStyle/>
           <a:p>
             <a:r>
               <a:rPr lang="en-US"/>
-              <a:t>At LIGO Livingston. </a:t>
+              <a:t>Collected requirements from the experiments. </a:t>
             </a:r>
           </a:p>
           <a:p>
             <a:r>
               <a:rPr lang="en-US"/>
-              <a:t>Very very well organized and coordinated by Kent. </a:t>
-            </a:r>
-            <a:r>
-              <a:rPr lang="en-US">
-                <a:solidFill>
-                  <a:srgbClr val="800000"/>
-                </a:solidFill>
-              </a:rPr>
-              <a:t>A BIG THANK YOU</a:t>
-            </a:r>
-          </a:p>
-          <a:p>
+              <a:t>Agreed on priorities between OSG and the experiments. WBS written by area coordinators with project manager and baselined. 1</a:t>
+            </a:r>
+            <a:r>
+              <a:rPr lang="en-US" baseline="30000"/>
+              <a:t>st</a:t>
+            </a:r>
             <a:r>
               <a:rPr lang="en-US"/>
-              <a:t>Good program committee helped. Workshops well attended; US ATLAS Tier-3 and US CMS Tier-2 energetic. </a:t>
-            </a:r>
-          </a:p>
-          <a:p>
+              <a:t> quarter update in progress. </a:t>
+            </a:r>
+          </a:p>
+          <a:p>
+            <a:pPr lvl="1"/>
             <a:r>
               <a:rPr lang="en-US"/>
-              <a:t>Plenary day focus on LIGO + ; Presentations by program officers very useful (still challenge for talks in the last pm when people are leaving).</a:t>
-            </a:r>
+              <a:t>New face: Dave Ritchie Communications area coordinator.</a:t>
+            </a:r>
+          </a:p>
+          <a:p>
+            <a:pPr lvl="1"/>
+            <a:r>
+              <a:rPr lang="en-US"/>
+              <a:t>Software task lists defined and tracked by Software Tools Group which provides oversight of all s/w work in the project.</a:t>
+            </a:r>
+          </a:p>
+          <a:p>
+            <a:r>
+              <a:rPr lang="en-US"/>
+              <a:t>All Hands meeting &amp; talk;</a:t>
+            </a:r>
+          </a:p>
+          <a:p>
+            <a:r>
+              <a:rPr lang="en-US"/>
+              <a:t>Major account managers; Quarterly meetings with key stakholders; Annual phone meetings with partners; are all being useful.</a:t>
+            </a:r>
+          </a:p>
+          <a:p>
+            <a:r>
+              <a:rPr lang="en-US"/>
+              <a:t>Value of OSG document – sometime request of Council. Would ask for a review of this.</a:t>
+            </a:r>
+          </a:p>
+          <a:p>
+            <a:r>
+              <a:rPr lang="en-US"/>
+              <a:t>WLCG MB accounting/ availability reporting in place; Installed Capacity in implementation</a:t>
+            </a:r>
+          </a:p>
+          <a:p>
+            <a:endParaRPr lang="en-US"/>
+          </a:p>
+          <a:p>
+            <a:endParaRPr lang="en-US"/>
+          </a:p>
+          <a:p>
+            <a:endParaRPr lang="en-US"/>
           </a:p>
         </p:txBody>
       </p:sp>
@@ -5256,6 +6141,108 @@
             <p:ph type="title"/>
           </p:nvPr>
         </p:nvSpPr>
+        <p:spPr/>
+        <p:txBody>
+          <a:bodyPr/>
+          <a:lstStyle/>
+          <a:p>
+            <a:r>
+              <a:rPr lang="en-US"/>
+              <a:t>All Hands Meeting </a:t>
+            </a:r>
+          </a:p>
+        </p:txBody>
+      </p:sp>
+      <p:sp>
+        <p:nvSpPr>
+          <p:cNvPr id="3" name="Content Placeholder 2"/>
+          <p:cNvSpPr>
+            <a:spLocks noGrp="1"/>
+          </p:cNvSpPr>
+          <p:nvPr>
+            <p:ph idx="1"/>
+          </p:nvPr>
+        </p:nvSpPr>
+        <p:spPr/>
+        <p:txBody>
+          <a:bodyPr/>
+          <a:lstStyle/>
+          <a:p>
+            <a:r>
+              <a:rPr lang="en-US"/>
+              <a:t>At LIGO Livingston. </a:t>
+            </a:r>
+          </a:p>
+          <a:p>
+            <a:r>
+              <a:rPr lang="en-US"/>
+              <a:t>Very very well organized and coordinated by Kent. </a:t>
+            </a:r>
+            <a:r>
+              <a:rPr lang="en-US">
+                <a:solidFill>
+                  <a:srgbClr val="800000"/>
+                </a:solidFill>
+              </a:rPr>
+              <a:t>A BIG THANK YOU</a:t>
+            </a:r>
+          </a:p>
+          <a:p>
+            <a:r>
+              <a:rPr lang="en-US"/>
+              <a:t>Good program committee helped. Workshops well attended; US ATLAS Tier-3 and US CMS Tier-2 energetic. </a:t>
+            </a:r>
+          </a:p>
+          <a:p>
+            <a:r>
+              <a:rPr lang="en-US"/>
+              <a:t>Plenary day focus on LIGO + ; Presentations by program officers very useful (still challenge for talks in the last pm when people are leaving).</a:t>
+            </a:r>
+          </a:p>
+        </p:txBody>
+      </p:sp>
+    </p:spTree>
+  </p:cSld>
+  <p:clrMapOvr>
+    <a:masterClrMapping/>
+  </p:clrMapOvr>
+  <p:timing>
+    <p:tnLst>
+      <p:par>
+        <p:cTn id="1" dur="indefinite" restart="never" nodeType="tmRoot"/>
+      </p:par>
+    </p:tnLst>
+  </p:timing>
+</p:sld>
+</file>
+
+<file path=ppt/slides/slide17.xml><?xml version="1.0" encoding="utf-8"?>
+<p:sld xmlns:a="http://schemas.openxmlformats.org/drawingml/2006/main" xmlns:r="http://schemas.openxmlformats.org/officeDocument/2006/relationships" xmlns:mc="http://schemas.openxmlformats.org/markup-compatibility/2006" xmlns:mv="urn:schemas-microsoft-com:mac:vml" xmlns:p="http://schemas.openxmlformats.org/presentationml/2006/main" mc:Ignorable="mv" mc:PreserveAttributes="mv:*">
+  <p:cSld>
+    <p:spTree>
+      <p:nvGrpSpPr>
+        <p:cNvPr id="1" name=""/>
+        <p:cNvGrpSpPr/>
+        <p:nvPr/>
+      </p:nvGrpSpPr>
+      <p:grpSpPr>
+        <a:xfrm>
+          <a:off x="0" y="0"/>
+          <a:ext cx="0" cy="0"/>
+          <a:chOff x="0" y="0"/>
+          <a:chExt cx="0" cy="0"/>
+        </a:xfrm>
+      </p:grpSpPr>
+      <p:sp>
+        <p:nvSpPr>
+          <p:cNvPr id="2" name="Title 1"/>
+          <p:cNvSpPr>
+            <a:spLocks noGrp="1"/>
+          </p:cNvSpPr>
+          <p:nvPr>
+            <p:ph type="title"/>
+          </p:nvPr>
+        </p:nvSpPr>
         <p:spPr>
           <a:xfrm>
             <a:off x="0" y="0"/>
@@ -5371,7 +6358,7 @@
               <a:pPr>
                 <a:defRPr/>
               </a:pPr>
-              <a:t>16</a:t>
+              <a:t>17</a:t>
             </a:fld>
             <a:endParaRPr lang="en-US">
               <a:solidFill>
@@ -5662,7 +6649,7 @@
 </p:sld>
 </file>
 
-<file path=ppt/slides/slide17.xml><?xml version="1.0" encoding="utf-8"?>
+<file path=ppt/slides/slide18.xml><?xml version="1.0" encoding="utf-8"?>
 <p:sld xmlns:a="http://schemas.openxmlformats.org/drawingml/2006/main" xmlns:r="http://schemas.openxmlformats.org/officeDocument/2006/relationships" xmlns:mc="http://schemas.openxmlformats.org/markup-compatibility/2006" xmlns:mv="urn:schemas-microsoft-com:mac:vml" xmlns:p="http://schemas.openxmlformats.org/presentationml/2006/main" mc:Ignorable="mv" mc:PreserveAttributes="mv:*">
   <p:cSld>
     <p:spTree>
@@ -5887,7 +6874,7 @@
               <a:pPr>
                 <a:defRPr/>
               </a:pPr>
-              <a:t>17</a:t>
+              <a:t>18</a:t>
             </a:fld>
             <a:endParaRPr lang="en-US" dirty="0"/>
           </a:p>
@@ -5908,7 +6895,7 @@
 </p:sld>
 </file>
 
-<file path=ppt/slides/slide18.xml><?xml version="1.0" encoding="utf-8"?>
+<file path=ppt/slides/slide19.xml><?xml version="1.0" encoding="utf-8"?>
 <p:sld xmlns:a="http://schemas.openxmlformats.org/drawingml/2006/main" xmlns:r="http://schemas.openxmlformats.org/officeDocument/2006/relationships" xmlns:mc="http://schemas.openxmlformats.org/markup-compatibility/2006" xmlns:mv="urn:schemas-microsoft-com:mac:vml" xmlns:p="http://schemas.openxmlformats.org/presentationml/2006/main" mc:Ignorable="mv" mc:PreserveAttributes="mv:*">
   <p:cSld>
     <p:spTree>
@@ -6302,201 +7289,6 @@
 </p:sld>
 </file>
 
-<file path=ppt/slides/slide19.xml><?xml version="1.0" encoding="utf-8"?>
-<p:sld xmlns:a="http://schemas.openxmlformats.org/drawingml/2006/main" xmlns:r="http://schemas.openxmlformats.org/officeDocument/2006/relationships" xmlns:mc="http://schemas.openxmlformats.org/markup-compatibility/2006" xmlns:mv="urn:schemas-microsoft-com:mac:vml" xmlns:p="http://schemas.openxmlformats.org/presentationml/2006/main" mc:Ignorable="mv" mc:PreserveAttributes="mv:*">
-  <p:cSld>
-    <p:spTree>
-      <p:nvGrpSpPr>
-        <p:cNvPr id="1" name=""/>
-        <p:cNvGrpSpPr/>
-        <p:nvPr/>
-      </p:nvGrpSpPr>
-      <p:grpSpPr>
-        <a:xfrm>
-          <a:off x="0" y="0"/>
-          <a:ext cx="0" cy="0"/>
-          <a:chOff x="0" y="0"/>
-          <a:chExt cx="0" cy="0"/>
-        </a:xfrm>
-      </p:grpSpPr>
-      <p:sp>
-        <p:nvSpPr>
-          <p:cNvPr id="2" name="Title 1"/>
-          <p:cNvSpPr>
-            <a:spLocks noGrp="1"/>
-          </p:cNvSpPr>
-          <p:nvPr>
-            <p:ph type="title"/>
-          </p:nvPr>
-        </p:nvSpPr>
-        <p:spPr/>
-        <p:txBody>
-          <a:bodyPr/>
-          <a:lstStyle/>
-          <a:p>
-            <a:r>
-              <a:rPr lang="en-US"/>
-              <a:t>Science output</a:t>
-            </a:r>
-          </a:p>
-        </p:txBody>
-      </p:sp>
-      <p:sp>
-        <p:nvSpPr>
-          <p:cNvPr id="3" name="Content Placeholder 2"/>
-          <p:cNvSpPr>
-            <a:spLocks noGrp="1"/>
-          </p:cNvSpPr>
-          <p:nvPr>
-            <p:ph idx="1"/>
-          </p:nvPr>
-        </p:nvSpPr>
-        <p:spPr/>
-        <p:txBody>
-          <a:bodyPr/>
-          <a:lstStyle/>
-          <a:p>
-            <a:pPr lvl="0" defTabSz="914400" eaLnBrk="0" fontAlgn="base" hangingPunct="0">
-              <a:spcAft>
-                <a:spcPct val="0"/>
-              </a:spcAft>
-              <a:buClr>
-                <a:srgbClr val="000080"/>
-              </a:buClr>
-              <a:buNone/>
-              <a:defRPr/>
-            </a:pPr>
-            <a:r>
-              <a:rPr kumimoji="1" lang="en-US" kern="0"/>
-              <a:t>CDF + D0 &gt;100 physics publications in 2008;</a:t>
-            </a:r>
-          </a:p>
-          <a:p>
-            <a:pPr lvl="0" defTabSz="914400" eaLnBrk="0" fontAlgn="base" hangingPunct="0">
-              <a:spcAft>
-                <a:spcPct val="0"/>
-              </a:spcAft>
-              <a:buClr>
-                <a:srgbClr val="000080"/>
-              </a:buClr>
-              <a:buNone/>
-              <a:defRPr/>
-            </a:pPr>
-            <a:r>
-              <a:rPr kumimoji="1" lang="en-US" kern="0"/>
-              <a:t>STAR &gt;10 publications in 2008.</a:t>
-            </a:r>
-          </a:p>
-          <a:p>
-            <a:pPr lvl="0" defTabSz="914400" eaLnBrk="0" fontAlgn="base" hangingPunct="0">
-              <a:spcAft>
-                <a:spcPct val="0"/>
-              </a:spcAft>
-              <a:buClr>
-                <a:srgbClr val="000080"/>
-              </a:buClr>
-              <a:buNone/>
-              <a:defRPr/>
-            </a:pPr>
-            <a:r>
-              <a:rPr kumimoji="1" lang="en-US" kern="0"/>
-              <a:t>In discussion with Patrick about how to add LIGO</a:t>
-            </a:r>
-          </a:p>
-          <a:p>
-            <a:pPr defTabSz="914400" eaLnBrk="0" fontAlgn="base" hangingPunct="0">
-              <a:spcAft>
-                <a:spcPct val="0"/>
-              </a:spcAft>
-              <a:buClr>
-                <a:srgbClr val="000080"/>
-              </a:buClr>
-              <a:buNone/>
-              <a:defRPr/>
-            </a:pPr>
-            <a:r>
-              <a:rPr lang="en-US"/>
-              <a:t>~5 non-physics publications. </a:t>
-            </a:r>
-          </a:p>
-          <a:p>
-            <a:pPr defTabSz="914400" eaLnBrk="0" fontAlgn="base" hangingPunct="0">
-              <a:spcAft>
-                <a:spcPct val="0"/>
-              </a:spcAft>
-              <a:buClr>
-                <a:srgbClr val="000080"/>
-              </a:buClr>
-              <a:buNone/>
-              <a:defRPr/>
-            </a:pPr>
-            <a:endParaRPr lang="en-US"/>
-          </a:p>
-          <a:p>
-            <a:pPr defTabSz="914400" eaLnBrk="0" fontAlgn="base" hangingPunct="0">
-              <a:spcAft>
-                <a:spcPct val="0"/>
-              </a:spcAft>
-              <a:buClr>
-                <a:srgbClr val="000080"/>
-              </a:buClr>
-              <a:buNone/>
-              <a:defRPr/>
-            </a:pPr>
-            <a:endParaRPr lang="en-US"/>
-          </a:p>
-          <a:p>
-            <a:pPr defTabSz="914400" eaLnBrk="0" fontAlgn="base" hangingPunct="0">
-              <a:spcAft>
-                <a:spcPct val="0"/>
-              </a:spcAft>
-              <a:buClr>
-                <a:srgbClr val="000080"/>
-              </a:buClr>
-              <a:buNone/>
-              <a:defRPr/>
-            </a:pPr>
-            <a:r>
-              <a:rPr lang="en-US"/>
-              <a:t>The Challenge of Engagement.</a:t>
-            </a:r>
-          </a:p>
-          <a:p>
-            <a:pPr lvl="0" defTabSz="914400" eaLnBrk="0" fontAlgn="base" hangingPunct="0">
-              <a:spcAft>
-                <a:spcPct val="0"/>
-              </a:spcAft>
-              <a:buClr>
-                <a:srgbClr val="000080"/>
-              </a:buClr>
-              <a:buNone/>
-              <a:defRPr/>
-            </a:pPr>
-            <a:r>
-              <a:rPr kumimoji="1" lang="en-US" kern="0"/>
-              <a:t> </a:t>
-            </a:r>
-          </a:p>
-          <a:p>
-            <a:endParaRPr lang="en-US"/>
-          </a:p>
-        </p:txBody>
-      </p:sp>
-    </p:spTree>
-  </p:cSld>
-  <p:clrMapOvr>
-    <a:masterClrMapping/>
-  </p:clrMapOvr>
-  <p:timing>
-    <p:tnLst>
-      <p:par>
-        <p:cTn id="1" dur="indefinite" restart="never" nodeType="tmRoot"/>
-      </p:par>
-    </p:tnLst>
-  </p:timing>
-</p:sld>
-</file>
-
 <file path=ppt/slides/slide2.xml><?xml version="1.0" encoding="utf-8"?>
 <p:sld xmlns:a="http://schemas.openxmlformats.org/drawingml/2006/main" xmlns:r="http://schemas.openxmlformats.org/officeDocument/2006/relationships" xmlns:mc="http://schemas.openxmlformats.org/markup-compatibility/2006" xmlns:mv="urn:schemas-microsoft-com:mac:vml" xmlns:p="http://schemas.openxmlformats.org/presentationml/2006/main" mc:Ignorable="mv" mc:PreserveAttributes="mv:*">
   <p:cSld>
@@ -6516,6 +7308,39 @@
       </p:grpSpPr>
       <p:sp>
         <p:nvSpPr>
+          <p:cNvPr id="2" name="Title 1"/>
+          <p:cNvSpPr>
+            <a:spLocks noGrp="1"/>
+          </p:cNvSpPr>
+          <p:nvPr>
+            <p:ph type="title"/>
+          </p:nvPr>
+        </p:nvSpPr>
+        <p:spPr>
+          <a:xfrm>
+            <a:off x="457200" y="0"/>
+            <a:ext cx="8229600" cy="1143000"/>
+          </a:xfrm>
+        </p:spPr>
+        <p:txBody>
+          <a:bodyPr/>
+          <a:lstStyle/>
+          <a:p>
+            <a:pPr algn="l"/>
+            <a:r>
+              <a:rPr lang="en-US" dirty="0"/>
+              <a:t>Summary of the </a:t>
+            </a:r>
+            <a:r>
+              <a:rPr lang="en-US" dirty="0" err="1"/>
+              <a:t>Collaboratory</a:t>
+            </a:r>
+            <a:endParaRPr lang="en-US"/>
+          </a:p>
+        </p:txBody>
+      </p:sp>
+      <p:sp>
+        <p:nvSpPr>
           <p:cNvPr id="3" name="Content Placeholder 2"/>
           <p:cNvSpPr>
             <a:spLocks noGrp="1"/>
@@ -6526,67 +7351,152 @@
         </p:nvSpPr>
         <p:spPr>
           <a:xfrm>
-            <a:off x="457200" y="1524000"/>
-            <a:ext cx="8229600" cy="4602163"/>
+            <a:off x="292100" y="901700"/>
+            <a:ext cx="8623300" cy="5778500"/>
           </a:xfrm>
         </p:spPr>
         <p:txBody>
           <a:bodyPr/>
           <a:lstStyle/>
           <a:p>
+            <a:pPr>
+              <a:buNone/>
+            </a:pPr>
             <a:r>
               <a:rPr lang="en-US"/>
-              <a:t>End of FY08  - slides from Jan review</a:t>
-            </a:r>
-          </a:p>
-          <a:p>
+              <a:t>OSG Consortium in existence since 2005. </a:t>
+            </a:r>
+          </a:p>
+          <a:p>
+            <a:pPr>
+              <a:buNone/>
+            </a:pPr>
             <a:r>
               <a:rPr lang="en-US"/>
-              <a:t>DOE SciDAC/NSF review closeout</a:t>
-            </a:r>
-          </a:p>
-          <a:p>
+              <a:t>OSG Project in 3</a:t>
+            </a:r>
+            <a:r>
+              <a:rPr lang="en-US" baseline="30000"/>
+              <a:t>rd</a:t>
+            </a:r>
             <a:r>
               <a:rPr lang="en-US"/>
-              <a:t>FY09 Plans</a:t>
-            </a:r>
-          </a:p>
-          <a:p>
-            <a:pPr lvl="1"/>
-            <a:r>
-              <a:rPr lang="en-US"/>
-              <a:t>Revised project organization </a:t>
-            </a:r>
-          </a:p>
-          <a:p>
-            <a:pPr lvl="1"/>
-            <a:r>
-              <a:rPr lang="en-US"/>
-              <a:t>Internal Security Review</a:t>
-            </a:r>
-          </a:p>
-          <a:p>
-            <a:pPr lvl="1"/>
-            <a:r>
-              <a:rPr lang="en-US"/>
-              <a:t>Computer Science Student Fellowship</a:t>
-            </a:r>
-          </a:p>
-          <a:p>
-            <a:pPr lvl="1"/>
-            <a:r>
-              <a:rPr lang="en-US"/>
-              <a:t>International Summer School for Grid Computing</a:t>
-            </a:r>
-          </a:p>
-          <a:p>
-            <a:pPr lvl="1">
+              <a:t> year of 5 year funding cycle.</a:t>
+            </a:r>
+          </a:p>
+          <a:p>
+            <a:pPr>
               <a:buNone/>
             </a:pPr>
             <a:endParaRPr lang="en-US"/>
           </a:p>
-        </p:txBody>
-      </p:sp>
+          <a:p>
+            <a:pPr>
+              <a:buNone/>
+            </a:pPr>
+            <a:r>
+              <a:rPr lang="en-US"/>
+              <a:t>Core collaboration remains, strengthened by new participants and openness to new approaches.	</a:t>
+            </a:r>
+          </a:p>
+          <a:p>
+            <a:pPr lvl="1"/>
+            <a:r>
+              <a:rPr lang="en-US"/>
+              <a:t>US ATLAS, US CMS, &amp; LIGO with accomplishments on the ground,  open collaboration to face realities and changing needs.</a:t>
+            </a:r>
+          </a:p>
+          <a:p>
+            <a:pPr lvl="1"/>
+            <a:r>
+              <a:rPr lang="en-US"/>
+              <a:t>Involvement of other physics increasing (CDF, D0, Alice)</a:t>
+            </a:r>
+          </a:p>
+          <a:p>
+            <a:pPr lvl="1"/>
+            <a:r>
+              <a:rPr lang="en-US"/>
+              <a:t>Processes  of  engaging new non-physics users and communities being “shaken out”.</a:t>
+            </a:r>
+          </a:p>
+          <a:p>
+            <a:pPr lvl="1"/>
+            <a:r>
+              <a:rPr lang="en-US"/>
+              <a:t>Leadership remains, strengthened by an excellent team and energetic contributors</a:t>
+            </a:r>
+          </a:p>
+          <a:p>
+            <a:pPr>
+              <a:buNone/>
+            </a:pPr>
+            <a:endParaRPr lang="en-US"/>
+          </a:p>
+          <a:p>
+            <a:pPr>
+              <a:buNone/>
+            </a:pPr>
+            <a:r>
+              <a:rPr lang="en-US"/>
+              <a:t>Challenges and issues from detail to  the national level continue -  no shortage of work!</a:t>
+            </a:r>
+          </a:p>
+        </p:txBody>
+      </p:sp>
+      <p:sp>
+        <p:nvSpPr>
+          <p:cNvPr id="4" name="Slide Number Placeholder 3"/>
+          <p:cNvSpPr>
+            <a:spLocks noGrp="1"/>
+          </p:cNvSpPr>
+          <p:nvPr>
+            <p:ph type="sldNum" sz="quarter" idx="10"/>
+          </p:nvPr>
+        </p:nvSpPr>
+        <p:spPr/>
+        <p:txBody>
+          <a:bodyPr/>
+          <a:lstStyle/>
+          <a:p>
+            <a:pPr>
+              <a:defRPr/>
+            </a:pPr>
+            <a:fld id="{C0C4A7A6-595F-FE47-AE10-398FE3A6E33C}" type="slidenum">
+              <a:rPr lang="en-US"/>
+              <a:pPr>
+                <a:defRPr/>
+              </a:pPr>
+              <a:t>2</a:t>
+            </a:fld>
+            <a:endParaRPr lang="en-US"/>
+          </a:p>
+        </p:txBody>
+      </p:sp>
+      <p:pic>
+        <p:nvPicPr>
+          <p:cNvPr id="5" name="Picture 4" descr="Collaboration_Backpackers_022709.jpg"/>
+          <p:cNvPicPr>
+            <a:picLocks noChangeAspect="1"/>
+          </p:cNvPicPr>
+          <p:nvPr/>
+        </p:nvPicPr>
+        <p:blipFill>
+          <a:blip r:embed="rId2"/>
+          <a:stretch>
+            <a:fillRect/>
+          </a:stretch>
+        </p:blipFill>
+        <p:spPr>
+          <a:xfrm>
+            <a:off x="7950200" y="0"/>
+            <a:ext cx="1022350" cy="1022350"/>
+          </a:xfrm>
+          <a:prstGeom prst="rect">
+            <a:avLst/>
+          </a:prstGeom>
+        </p:spPr>
+      </p:pic>
     </p:spTree>
   </p:cSld>
   <p:clrMapOvr>
@@ -6603,6 +7513,201 @@
 </file>
 
 <file path=ppt/slides/slide20.xml><?xml version="1.0" encoding="utf-8"?>
+<p:sld xmlns:a="http://schemas.openxmlformats.org/drawingml/2006/main" xmlns:r="http://schemas.openxmlformats.org/officeDocument/2006/relationships" xmlns:mc="http://schemas.openxmlformats.org/markup-compatibility/2006" xmlns:mv="urn:schemas-microsoft-com:mac:vml" xmlns:p="http://schemas.openxmlformats.org/presentationml/2006/main" mc:Ignorable="mv" mc:PreserveAttributes="mv:*">
+  <p:cSld>
+    <p:spTree>
+      <p:nvGrpSpPr>
+        <p:cNvPr id="1" name=""/>
+        <p:cNvGrpSpPr/>
+        <p:nvPr/>
+      </p:nvGrpSpPr>
+      <p:grpSpPr>
+        <a:xfrm>
+          <a:off x="0" y="0"/>
+          <a:ext cx="0" cy="0"/>
+          <a:chOff x="0" y="0"/>
+          <a:chExt cx="0" cy="0"/>
+        </a:xfrm>
+      </p:grpSpPr>
+      <p:sp>
+        <p:nvSpPr>
+          <p:cNvPr id="2" name="Title 1"/>
+          <p:cNvSpPr>
+            <a:spLocks noGrp="1"/>
+          </p:cNvSpPr>
+          <p:nvPr>
+            <p:ph type="title"/>
+          </p:nvPr>
+        </p:nvSpPr>
+        <p:spPr/>
+        <p:txBody>
+          <a:bodyPr/>
+          <a:lstStyle/>
+          <a:p>
+            <a:r>
+              <a:rPr lang="en-US"/>
+              <a:t>Science output</a:t>
+            </a:r>
+          </a:p>
+        </p:txBody>
+      </p:sp>
+      <p:sp>
+        <p:nvSpPr>
+          <p:cNvPr id="3" name="Content Placeholder 2"/>
+          <p:cNvSpPr>
+            <a:spLocks noGrp="1"/>
+          </p:cNvSpPr>
+          <p:nvPr>
+            <p:ph idx="1"/>
+          </p:nvPr>
+        </p:nvSpPr>
+        <p:spPr/>
+        <p:txBody>
+          <a:bodyPr/>
+          <a:lstStyle/>
+          <a:p>
+            <a:pPr lvl="0" defTabSz="914400" eaLnBrk="0" fontAlgn="base" hangingPunct="0">
+              <a:spcAft>
+                <a:spcPct val="0"/>
+              </a:spcAft>
+              <a:buClr>
+                <a:srgbClr val="000080"/>
+              </a:buClr>
+              <a:buNone/>
+              <a:defRPr/>
+            </a:pPr>
+            <a:r>
+              <a:rPr kumimoji="1" lang="en-US" kern="0"/>
+              <a:t>CDF + D0 &gt;100 physics publications in 2008;</a:t>
+            </a:r>
+          </a:p>
+          <a:p>
+            <a:pPr lvl="0" defTabSz="914400" eaLnBrk="0" fontAlgn="base" hangingPunct="0">
+              <a:spcAft>
+                <a:spcPct val="0"/>
+              </a:spcAft>
+              <a:buClr>
+                <a:srgbClr val="000080"/>
+              </a:buClr>
+              <a:buNone/>
+              <a:defRPr/>
+            </a:pPr>
+            <a:r>
+              <a:rPr kumimoji="1" lang="en-US" kern="0"/>
+              <a:t>STAR &gt;10 publications in 2008.</a:t>
+            </a:r>
+          </a:p>
+          <a:p>
+            <a:pPr lvl="0" defTabSz="914400" eaLnBrk="0" fontAlgn="base" hangingPunct="0">
+              <a:spcAft>
+                <a:spcPct val="0"/>
+              </a:spcAft>
+              <a:buClr>
+                <a:srgbClr val="000080"/>
+              </a:buClr>
+              <a:buNone/>
+              <a:defRPr/>
+            </a:pPr>
+            <a:r>
+              <a:rPr kumimoji="1" lang="en-US" kern="0"/>
+              <a:t>In discussion with Patrick about how to add LIGO</a:t>
+            </a:r>
+          </a:p>
+          <a:p>
+            <a:pPr defTabSz="914400" eaLnBrk="0" fontAlgn="base" hangingPunct="0">
+              <a:spcAft>
+                <a:spcPct val="0"/>
+              </a:spcAft>
+              <a:buClr>
+                <a:srgbClr val="000080"/>
+              </a:buClr>
+              <a:buNone/>
+              <a:defRPr/>
+            </a:pPr>
+            <a:r>
+              <a:rPr lang="en-US"/>
+              <a:t>~5 non-physics publications. </a:t>
+            </a:r>
+          </a:p>
+          <a:p>
+            <a:pPr defTabSz="914400" eaLnBrk="0" fontAlgn="base" hangingPunct="0">
+              <a:spcAft>
+                <a:spcPct val="0"/>
+              </a:spcAft>
+              <a:buClr>
+                <a:srgbClr val="000080"/>
+              </a:buClr>
+              <a:buNone/>
+              <a:defRPr/>
+            </a:pPr>
+            <a:endParaRPr lang="en-US"/>
+          </a:p>
+          <a:p>
+            <a:pPr defTabSz="914400" eaLnBrk="0" fontAlgn="base" hangingPunct="0">
+              <a:spcAft>
+                <a:spcPct val="0"/>
+              </a:spcAft>
+              <a:buClr>
+                <a:srgbClr val="000080"/>
+              </a:buClr>
+              <a:buNone/>
+              <a:defRPr/>
+            </a:pPr>
+            <a:endParaRPr lang="en-US"/>
+          </a:p>
+          <a:p>
+            <a:pPr defTabSz="914400" eaLnBrk="0" fontAlgn="base" hangingPunct="0">
+              <a:spcAft>
+                <a:spcPct val="0"/>
+              </a:spcAft>
+              <a:buClr>
+                <a:srgbClr val="000080"/>
+              </a:buClr>
+              <a:buNone/>
+              <a:defRPr/>
+            </a:pPr>
+            <a:r>
+              <a:rPr lang="en-US"/>
+              <a:t>The Challenge of Engagement.</a:t>
+            </a:r>
+          </a:p>
+          <a:p>
+            <a:pPr lvl="0" defTabSz="914400" eaLnBrk="0" fontAlgn="base" hangingPunct="0">
+              <a:spcAft>
+                <a:spcPct val="0"/>
+              </a:spcAft>
+              <a:buClr>
+                <a:srgbClr val="000080"/>
+              </a:buClr>
+              <a:buNone/>
+              <a:defRPr/>
+            </a:pPr>
+            <a:r>
+              <a:rPr kumimoji="1" lang="en-US" kern="0"/>
+              <a:t> </a:t>
+            </a:r>
+          </a:p>
+          <a:p>
+            <a:endParaRPr lang="en-US"/>
+          </a:p>
+        </p:txBody>
+      </p:sp>
+    </p:spTree>
+  </p:cSld>
+  <p:clrMapOvr>
+    <a:masterClrMapping/>
+  </p:clrMapOvr>
+  <p:timing>
+    <p:tnLst>
+      <p:par>
+        <p:cTn id="1" dur="indefinite" restart="never" nodeType="tmRoot"/>
+      </p:par>
+    </p:tnLst>
+  </p:timing>
+</p:sld>
+</file>
+
+<file path=ppt/slides/slide21.xml><?xml version="1.0" encoding="utf-8"?>
 <p:sld xmlns:a="http://schemas.openxmlformats.org/drawingml/2006/main" xmlns:r="http://schemas.openxmlformats.org/officeDocument/2006/relationships" xmlns:mc="http://schemas.openxmlformats.org/markup-compatibility/2006" xmlns:mv="urn:schemas-microsoft-com:mac:vml" xmlns:p="http://schemas.openxmlformats.org/presentationml/2006/main" mc:Ignorable="mv" mc:PreserveAttributes="mv:*">
   <p:cSld>
     <p:spTree>
@@ -6853,7 +7958,7 @@
               <a:pPr>
                 <a:defRPr/>
               </a:pPr>
-              <a:t>20</a:t>
+              <a:t>21</a:t>
             </a:fld>
             <a:endParaRPr lang="en-US"/>
           </a:p>
@@ -6984,7 +8089,7 @@
 </p:sld>
 </file>
 
-<file path=ppt/slides/slide21.xml><?xml version="1.0" encoding="utf-8"?>
+<file path=ppt/slides/slide22.xml><?xml version="1.0" encoding="utf-8"?>
 <p:sld xmlns:a="http://schemas.openxmlformats.org/drawingml/2006/main" xmlns:r="http://schemas.openxmlformats.org/officeDocument/2006/relationships" xmlns:mc="http://schemas.openxmlformats.org/markup-compatibility/2006" xmlns:mv="urn:schemas-microsoft-com:mac:vml" xmlns:p="http://schemas.openxmlformats.org/presentationml/2006/main" mc:Ignorable="mv" mc:PreserveAttributes="mv:*">
   <p:cSld>
     <p:spTree>
@@ -7111,7 +8216,7 @@
 </p:sld>
 </file>
 
-<file path=ppt/slides/slide22.xml><?xml version="1.0" encoding="utf-8"?>
+<file path=ppt/slides/slide23.xml><?xml version="1.0" encoding="utf-8"?>
 <p:sld xmlns:a="http://schemas.openxmlformats.org/drawingml/2006/main" xmlns:r="http://schemas.openxmlformats.org/officeDocument/2006/relationships" xmlns:mc="http://schemas.openxmlformats.org/markup-compatibility/2006" xmlns:mv="urn:schemas-microsoft-com:mac:vml" xmlns:p="http://schemas.openxmlformats.org/presentationml/2006/main" mc:Ignorable="mv" mc:PreserveAttributes="mv:*">
   <p:cSld>
     <p:spTree>
@@ -7861,7 +8966,7 @@
               <a:pPr>
                 <a:defRPr/>
               </a:pPr>
-              <a:t>22</a:t>
+              <a:t>23</a:t>
             </a:fld>
             <a:endParaRPr lang="en-US" dirty="0" smtClean="0">
               <a:cs typeface="ＭＳ Ｐゴシック"/>
@@ -10378,115 +11483,6 @@
 </p:sld>
 </file>
 
-<file path=ppt/slides/slide23.xml><?xml version="1.0" encoding="utf-8"?>
-<p:sld xmlns:a="http://schemas.openxmlformats.org/drawingml/2006/main" xmlns:r="http://schemas.openxmlformats.org/officeDocument/2006/relationships" xmlns:mc="http://schemas.openxmlformats.org/markup-compatibility/2006" xmlns:mv="urn:schemas-microsoft-com:mac:vml" xmlns:p="http://schemas.openxmlformats.org/presentationml/2006/main" mc:Ignorable="mv" mc:PreserveAttributes="mv:*">
-  <p:cSld>
-    <p:spTree>
-      <p:nvGrpSpPr>
-        <p:cNvPr id="1" name=""/>
-        <p:cNvGrpSpPr/>
-        <p:nvPr/>
-      </p:nvGrpSpPr>
-      <p:grpSpPr>
-        <a:xfrm>
-          <a:off x="0" y="0"/>
-          <a:ext cx="0" cy="0"/>
-          <a:chOff x="0" y="0"/>
-          <a:chExt cx="0" cy="0"/>
-        </a:xfrm>
-      </p:grpSpPr>
-      <p:sp>
-        <p:nvSpPr>
-          <p:cNvPr id="2" name="Title 1"/>
-          <p:cNvSpPr>
-            <a:spLocks noGrp="1"/>
-          </p:cNvSpPr>
-          <p:nvPr>
-            <p:ph type="title"/>
-          </p:nvPr>
-        </p:nvSpPr>
-        <p:spPr>
-          <a:xfrm>
-            <a:off x="457200" y="274638"/>
-            <a:ext cx="8686800" cy="1143000"/>
-          </a:xfrm>
-        </p:spPr>
-        <p:txBody>
-          <a:bodyPr/>
-          <a:lstStyle/>
-          <a:p>
-            <a:r>
-              <a:rPr lang="en-US"/>
-              <a:t>Internal Review of Security Program</a:t>
-            </a:r>
-          </a:p>
-        </p:txBody>
-      </p:sp>
-      <p:sp>
-        <p:nvSpPr>
-          <p:cNvPr id="3" name="Content Placeholder 2"/>
-          <p:cNvSpPr>
-            <a:spLocks noGrp="1"/>
-          </p:cNvSpPr>
-          <p:nvPr>
-            <p:ph idx="1"/>
-          </p:nvPr>
-        </p:nvSpPr>
-        <p:spPr/>
-        <p:txBody>
-          <a:bodyPr/>
-          <a:lstStyle/>
-          <a:p>
-            <a:pPr>
-              <a:buNone/>
-            </a:pPr>
-            <a:r>
-              <a:rPr lang="en-US"/>
-              <a:t>Security Plan (FY07) specifies “annual review of security called by the Executive Director.”</a:t>
-            </a:r>
-          </a:p>
-          <a:p>
-            <a:pPr>
-              <a:buNone/>
-            </a:pPr>
-            <a:r>
-              <a:rPr lang="en-US"/>
-              <a:t>1</a:t>
-            </a:r>
-            <a:r>
-              <a:rPr lang="en-US" baseline="30000"/>
-              <a:t>st</a:t>
-            </a:r>
-            <a:r>
-              <a:rPr lang="en-US"/>
-              <a:t> security review held Feb 26/27</a:t>
-            </a:r>
-            <a:r>
-              <a:rPr lang="en-US" baseline="30000"/>
-              <a:t>th</a:t>
-            </a:r>
-            <a:r>
-              <a:rPr lang="en-US"/>
-              <a:t>. Jim Marsteller (TG), Todd Tannenbaum(Condor), Von Welch(NCSA), Romain Wartel(EGEE). Summary “Thank you and your team for the work you put into this review. I believe I speak for the whole review committee when I say we were very impressed with your teams accomplishments.”</a:t>
-            </a:r>
-          </a:p>
-        </p:txBody>
-      </p:sp>
-    </p:spTree>
-  </p:cSld>
-  <p:clrMapOvr>
-    <a:masterClrMapping/>
-  </p:clrMapOvr>
-  <p:timing>
-    <p:tnLst>
-      <p:par>
-        <p:cTn id="1" dur="indefinite" restart="never" nodeType="tmRoot"/>
-      </p:par>
-    </p:tnLst>
-  </p:timing>
-</p:sld>
-</file>
-
 <file path=ppt/slides/slide24.xml><?xml version="1.0" encoding="utf-8"?>
 <p:sld xmlns:a="http://schemas.openxmlformats.org/drawingml/2006/main" xmlns:r="http://schemas.openxmlformats.org/officeDocument/2006/relationships" xmlns:mc="http://schemas.openxmlformats.org/markup-compatibility/2006" xmlns:mv="urn:schemas-microsoft-com:mac:vml" xmlns:p="http://schemas.openxmlformats.org/presentationml/2006/main" mc:Ignorable="mv" mc:PreserveAttributes="mv:*">
   <p:cSld>
@@ -10514,14 +11510,19 @@
             <p:ph type="title"/>
           </p:nvPr>
         </p:nvSpPr>
-        <p:spPr/>
+        <p:spPr>
+          <a:xfrm>
+            <a:off x="457200" y="274638"/>
+            <a:ext cx="8686800" cy="1143000"/>
+          </a:xfrm>
+        </p:spPr>
         <p:txBody>
           <a:bodyPr/>
           <a:lstStyle/>
           <a:p>
             <a:r>
               <a:rPr lang="en-US"/>
-              <a:t>Computer Science Student Fellowship Program</a:t>
+              <a:t>Internal Review of Security Program</a:t>
             </a:r>
           </a:p>
         </p:txBody>
@@ -10541,21 +11542,37 @@
           <a:bodyPr/>
           <a:lstStyle/>
           <a:p>
+            <a:pPr>
+              <a:buNone/>
+            </a:pPr>
             <a:r>
               <a:rPr lang="en-US"/>
-              <a:t>Concern by Executive Board at lack of engagement by Computer Scientists in OSG as a wonderful laboratory for Computer Science.</a:t>
-            </a:r>
-          </a:p>
-          <a:p>
+              <a:t>Security Plan (FY07) specifies “annual review of security called by the Executive Director.”</a:t>
+            </a:r>
+          </a:p>
+          <a:p>
+            <a:pPr>
+              <a:buNone/>
+            </a:pPr>
             <a:r>
               <a:rPr lang="en-US"/>
-              <a:t>Proposal by UofC for OSG funding (0.5 FTE, within scope of current budget) of a CS graduate student studying errors encountered by ATLAS and other jobs on OSG.</a:t>
-            </a:r>
-          </a:p>
-          <a:p>
+              <a:t>1</a:t>
+            </a:r>
+            <a:r>
+              <a:rPr lang="en-US" baseline="30000"/>
+              <a:t>st</a:t>
+            </a:r>
             <a:r>
               <a:rPr lang="en-US"/>
-              <a:t>“Opportunistic” definition of CS Student Fellowship Project under which this work will be done.</a:t>
+              <a:t> security review held Feb 26/27</a:t>
+            </a:r>
+            <a:r>
+              <a:rPr lang="en-US" baseline="30000"/>
+              <a:t>th</a:t>
+            </a:r>
+            <a:r>
+              <a:rPr lang="en-US"/>
+              <a:t>. Jim Marsteller (TG), Todd Tannenbaum(Condor), Von Welch(NCSA), Romain Wartel(EGEE). Summary “Thank you and your team for the work you put into this review. I believe I speak for the whole review committee when I say we were very impressed with your teams accomplishments.”</a:t>
             </a:r>
           </a:p>
         </p:txBody>
@@ -10576,6 +11593,94 @@
 </file>
 
 <file path=ppt/slides/slide25.xml><?xml version="1.0" encoding="utf-8"?>
+<p:sld xmlns:a="http://schemas.openxmlformats.org/drawingml/2006/main" xmlns:r="http://schemas.openxmlformats.org/officeDocument/2006/relationships" xmlns:mc="http://schemas.openxmlformats.org/markup-compatibility/2006" xmlns:mv="urn:schemas-microsoft-com:mac:vml" xmlns:p="http://schemas.openxmlformats.org/presentationml/2006/main" mc:Ignorable="mv" mc:PreserveAttributes="mv:*">
+  <p:cSld>
+    <p:spTree>
+      <p:nvGrpSpPr>
+        <p:cNvPr id="1" name=""/>
+        <p:cNvGrpSpPr/>
+        <p:nvPr/>
+      </p:nvGrpSpPr>
+      <p:grpSpPr>
+        <a:xfrm>
+          <a:off x="0" y="0"/>
+          <a:ext cx="0" cy="0"/>
+          <a:chOff x="0" y="0"/>
+          <a:chExt cx="0" cy="0"/>
+        </a:xfrm>
+      </p:grpSpPr>
+      <p:sp>
+        <p:nvSpPr>
+          <p:cNvPr id="2" name="Title 1"/>
+          <p:cNvSpPr>
+            <a:spLocks noGrp="1"/>
+          </p:cNvSpPr>
+          <p:nvPr>
+            <p:ph type="title"/>
+          </p:nvPr>
+        </p:nvSpPr>
+        <p:spPr/>
+        <p:txBody>
+          <a:bodyPr/>
+          <a:lstStyle/>
+          <a:p>
+            <a:r>
+              <a:rPr lang="en-US"/>
+              <a:t>Computer Science Student Fellowship Program</a:t>
+            </a:r>
+          </a:p>
+        </p:txBody>
+      </p:sp>
+      <p:sp>
+        <p:nvSpPr>
+          <p:cNvPr id="3" name="Content Placeholder 2"/>
+          <p:cNvSpPr>
+            <a:spLocks noGrp="1"/>
+          </p:cNvSpPr>
+          <p:nvPr>
+            <p:ph idx="1"/>
+          </p:nvPr>
+        </p:nvSpPr>
+        <p:spPr/>
+        <p:txBody>
+          <a:bodyPr/>
+          <a:lstStyle/>
+          <a:p>
+            <a:r>
+              <a:rPr lang="en-US"/>
+              <a:t>Concern by Executive Board at lack of engagement by Computer Scientists in OSG as a wonderful laboratory for Computer Science.</a:t>
+            </a:r>
+          </a:p>
+          <a:p>
+            <a:r>
+              <a:rPr lang="en-US"/>
+              <a:t>Proposal by UofC for OSG funding (0.5 FTE, within scope of current budget) of a CS graduate student studying errors encountered by ATLAS and other jobs on OSG.</a:t>
+            </a:r>
+          </a:p>
+          <a:p>
+            <a:r>
+              <a:rPr lang="en-US"/>
+              <a:t>“Opportunistic” definition of CS Student Fellowship Project under which this work will be done.</a:t>
+            </a:r>
+          </a:p>
+        </p:txBody>
+      </p:sp>
+    </p:spTree>
+  </p:cSld>
+  <p:clrMapOvr>
+    <a:masterClrMapping/>
+  </p:clrMapOvr>
+  <p:timing>
+    <p:tnLst>
+      <p:par>
+        <p:cTn id="1" dur="indefinite" restart="never" nodeType="tmRoot"/>
+      </p:par>
+    </p:tnLst>
+  </p:timing>
+</p:sld>
+</file>
+
+<file path=ppt/slides/slide26.xml><?xml version="1.0" encoding="utf-8"?>
 <p:sld xmlns:a="http://schemas.openxmlformats.org/drawingml/2006/main" xmlns:r="http://schemas.openxmlformats.org/officeDocument/2006/relationships" xmlns:mc="http://schemas.openxmlformats.org/markup-compatibility/2006" xmlns:mv="urn:schemas-microsoft-com:mac:vml" xmlns:p="http://schemas.openxmlformats.org/presentationml/2006/main" mc:Ignorable="mv" mc:PreserveAttributes="mv:*">
   <p:cSld>
     <p:spTree>
@@ -10876,7 +11981,7 @@
 </p:sld>
 </file>
 
-<file path=ppt/slides/slide26.xml><?xml version="1.0" encoding="utf-8"?>
+<file path=ppt/slides/slide27.xml><?xml version="1.0" encoding="utf-8"?>
 <p:sld xmlns:a="http://schemas.openxmlformats.org/drawingml/2006/main" xmlns:r="http://schemas.openxmlformats.org/officeDocument/2006/relationships" xmlns:mc="http://schemas.openxmlformats.org/markup-compatibility/2006" xmlns:mv="urn:schemas-microsoft-com:mac:vml" xmlns:p="http://schemas.openxmlformats.org/presentationml/2006/main" mc:Ignorable="mv" mc:PreserveAttributes="mv:*">
   <p:cSld>
     <p:spTree>
@@ -10930,6 +12035,230 @@
           <a:bodyPr/>
           <a:lstStyle/>
           <a:p>
+            <a:endParaRPr lang="en-US"/>
+          </a:p>
+        </p:txBody>
+      </p:sp>
+    </p:spTree>
+  </p:cSld>
+  <p:clrMapOvr>
+    <a:masterClrMapping/>
+  </p:clrMapOvr>
+  <p:timing>
+    <p:tnLst>
+      <p:par>
+        <p:cTn id="1" dur="indefinite" restart="never" nodeType="tmRoot"/>
+      </p:par>
+    </p:tnLst>
+  </p:timing>
+</p:sld>
+</file>
+
+<file path=ppt/slides/slide28.xml><?xml version="1.0" encoding="utf-8"?>
+<p:sld xmlns:a="http://schemas.openxmlformats.org/drawingml/2006/main" xmlns:r="http://schemas.openxmlformats.org/officeDocument/2006/relationships" xmlns:mc="http://schemas.openxmlformats.org/markup-compatibility/2006" xmlns:mv="urn:schemas-microsoft-com:mac:vml" xmlns:p="http://schemas.openxmlformats.org/presentationml/2006/main" mc:Ignorable="mv" mc:PreserveAttributes="mv:*">
+  <p:cSld>
+    <p:spTree>
+      <p:nvGrpSpPr>
+        <p:cNvPr id="1" name=""/>
+        <p:cNvGrpSpPr/>
+        <p:nvPr/>
+      </p:nvGrpSpPr>
+      <p:grpSpPr>
+        <a:xfrm>
+          <a:off x="0" y="0"/>
+          <a:ext cx="0" cy="0"/>
+          <a:chOff x="0" y="0"/>
+          <a:chExt cx="0" cy="0"/>
+        </a:xfrm>
+      </p:grpSpPr>
+      <p:pic>
+        <p:nvPicPr>
+          <p:cNvPr id="5" name="Picture 4" descr="Collaboration_Round_Table_022709.jpg"/>
+          <p:cNvPicPr>
+            <a:picLocks noChangeAspect="1"/>
+          </p:cNvPicPr>
+          <p:nvPr/>
+        </p:nvPicPr>
+        <p:blipFill>
+          <a:blip r:embed="rId2"/>
+          <a:stretch>
+            <a:fillRect/>
+          </a:stretch>
+        </p:blipFill>
+        <p:spPr>
+          <a:xfrm>
+            <a:off x="8077200" y="-44450"/>
+            <a:ext cx="1066800" cy="1066800"/>
+          </a:xfrm>
+          <a:prstGeom prst="rect">
+            <a:avLst/>
+          </a:prstGeom>
+        </p:spPr>
+      </p:pic>
+      <p:sp>
+        <p:nvSpPr>
+          <p:cNvPr id="2" name="Title 1"/>
+          <p:cNvSpPr>
+            <a:spLocks noGrp="1"/>
+          </p:cNvSpPr>
+          <p:nvPr>
+            <p:ph type="title"/>
+          </p:nvPr>
+        </p:nvSpPr>
+        <p:spPr>
+          <a:xfrm>
+            <a:off x="0" y="0"/>
+            <a:ext cx="8674100" cy="1143000"/>
+          </a:xfrm>
+        </p:spPr>
+        <p:txBody>
+          <a:bodyPr/>
+          <a:lstStyle/>
+          <a:p>
+            <a:r>
+              <a:rPr lang="en-US"/>
+              <a:t>And in the current climate:</a:t>
+            </a:r>
+            <a:br>
+              <a:rPr lang="en-US"/>
+            </a:br>
+            <a:r>
+              <a:rPr lang="en-US"/>
+              <a:t>OSG, Facility, &amp; the National Cyberinfrastructure ?</a:t>
+            </a:r>
+          </a:p>
+        </p:txBody>
+      </p:sp>
+      <p:sp>
+        <p:nvSpPr>
+          <p:cNvPr id="3" name="Content Placeholder 2"/>
+          <p:cNvSpPr>
+            <a:spLocks noGrp="1"/>
+          </p:cNvSpPr>
+          <p:nvPr>
+            <p:ph idx="1"/>
+          </p:nvPr>
+        </p:nvSpPr>
+        <p:spPr>
+          <a:xfrm>
+            <a:off x="304800" y="1333499"/>
+            <a:ext cx="8674100" cy="5387975"/>
+          </a:xfrm>
+        </p:spPr>
+        <p:txBody>
+          <a:bodyPr/>
+          <a:lstStyle/>
+          <a:p>
+            <a:pPr>
+              <a:buNone/>
+            </a:pPr>
+            <a:r>
+              <a:rPr lang="en-US"/>
+              <a:t>How can  OSG’s experience on the Campuses be of most value?</a:t>
+            </a:r>
+          </a:p>
+          <a:p>
+            <a:pPr>
+              <a:buNone/>
+            </a:pPr>
+            <a:endParaRPr lang="en-US"/>
+          </a:p>
+          <a:p>
+            <a:pPr>
+              <a:buNone/>
+            </a:pPr>
+            <a:r>
+              <a:rPr lang="en-US"/>
+              <a:t>Is OSG a facility? a Software Facility?</a:t>
+            </a:r>
+          </a:p>
+          <a:p>
+            <a:pPr>
+              <a:buNone/>
+            </a:pPr>
+            <a:endParaRPr lang="en-US"/>
+          </a:p>
+          <a:p>
+            <a:pPr>
+              <a:buNone/>
+            </a:pPr>
+            <a:r>
+              <a:rPr lang="en-US"/>
+              <a:t>What is OSG’s role and place in partnering with TeraGrid?</a:t>
+            </a:r>
+          </a:p>
+          <a:p>
+            <a:pPr>
+              <a:buNone/>
+            </a:pPr>
+            <a:endParaRPr lang="en-US"/>
+          </a:p>
+          <a:p>
+            <a:pPr>
+              <a:buNone/>
+            </a:pPr>
+            <a:r>
+              <a:rPr lang="en-US"/>
+              <a:t>How can OSG contribute to the usability of the Leadership Class Facilities?</a:t>
+            </a:r>
+          </a:p>
+          <a:p>
+            <a:pPr>
+              <a:buNone/>
+            </a:pPr>
+            <a:endParaRPr lang="en-US"/>
+          </a:p>
+          <a:p>
+            <a:pPr>
+              <a:buNone/>
+            </a:pPr>
+            <a:r>
+              <a:rPr lang="en-US"/>
+              <a:t>How does OSG contribute to software sustainability?</a:t>
+            </a:r>
+          </a:p>
+          <a:p>
+            <a:pPr>
+              <a:buNone/>
+            </a:pPr>
+            <a:endParaRPr lang="en-US"/>
+          </a:p>
+          <a:p>
+            <a:pPr>
+              <a:buNone/>
+            </a:pPr>
+            <a:r>
+              <a:rPr lang="en-US"/>
+              <a:t>Is OSG an exemplar from which Europe in its next phase  of National Grids can benefit?</a:t>
+            </a:r>
+          </a:p>
+        </p:txBody>
+      </p:sp>
+      <p:sp>
+        <p:nvSpPr>
+          <p:cNvPr id="4" name="Slide Number Placeholder 3"/>
+          <p:cNvSpPr>
+            <a:spLocks noGrp="1"/>
+          </p:cNvSpPr>
+          <p:nvPr>
+            <p:ph type="sldNum" sz="quarter" idx="10"/>
+          </p:nvPr>
+        </p:nvSpPr>
+        <p:spPr/>
+        <p:txBody>
+          <a:bodyPr/>
+          <a:lstStyle/>
+          <a:p>
+            <a:pPr>
+              <a:defRPr/>
+            </a:pPr>
+            <a:fld id="{C0C4A7A6-595F-FE47-AE10-398FE3A6E33C}" type="slidenum">
+              <a:rPr lang="en-US"/>
+              <a:pPr>
+                <a:defRPr/>
+              </a:pPr>
+              <a:t>28</a:t>
+            </a:fld>
             <a:endParaRPr lang="en-US"/>
           </a:p>
         </p:txBody>
@@ -10968,6 +12297,111 @@
       </p:grpSpPr>
       <p:sp>
         <p:nvSpPr>
+          <p:cNvPr id="3" name="Content Placeholder 2"/>
+          <p:cNvSpPr>
+            <a:spLocks noGrp="1"/>
+          </p:cNvSpPr>
+          <p:nvPr>
+            <p:ph idx="1"/>
+          </p:nvPr>
+        </p:nvSpPr>
+        <p:spPr>
+          <a:xfrm>
+            <a:off x="457200" y="1524000"/>
+            <a:ext cx="8229600" cy="4602163"/>
+          </a:xfrm>
+        </p:spPr>
+        <p:txBody>
+          <a:bodyPr/>
+          <a:lstStyle/>
+          <a:p>
+            <a:r>
+              <a:rPr lang="en-US"/>
+              <a:t>End of FY08  - slides from Jan review</a:t>
+            </a:r>
+          </a:p>
+          <a:p>
+            <a:r>
+              <a:rPr lang="en-US"/>
+              <a:t>DOE SciDAC/NSF review closeout</a:t>
+            </a:r>
+          </a:p>
+          <a:p>
+            <a:r>
+              <a:rPr lang="en-US"/>
+              <a:t>FY09 Plans</a:t>
+            </a:r>
+          </a:p>
+          <a:p>
+            <a:pPr lvl="1"/>
+            <a:r>
+              <a:rPr lang="en-US"/>
+              <a:t>Revised project organization </a:t>
+            </a:r>
+          </a:p>
+          <a:p>
+            <a:pPr lvl="1"/>
+            <a:r>
+              <a:rPr lang="en-US"/>
+              <a:t>Internal Security Review</a:t>
+            </a:r>
+          </a:p>
+          <a:p>
+            <a:pPr lvl="1"/>
+            <a:r>
+              <a:rPr lang="en-US"/>
+              <a:t>Computer Science Student Fellowship</a:t>
+            </a:r>
+          </a:p>
+          <a:p>
+            <a:pPr lvl="1"/>
+            <a:r>
+              <a:rPr lang="en-US"/>
+              <a:t>International Summer School for Grid Computing</a:t>
+            </a:r>
+          </a:p>
+          <a:p>
+            <a:pPr lvl="1">
+              <a:buNone/>
+            </a:pPr>
+            <a:endParaRPr lang="en-US"/>
+          </a:p>
+        </p:txBody>
+      </p:sp>
+    </p:spTree>
+  </p:cSld>
+  <p:clrMapOvr>
+    <a:masterClrMapping/>
+  </p:clrMapOvr>
+  <p:timing>
+    <p:tnLst>
+      <p:par>
+        <p:cTn id="1" dur="indefinite" restart="never" nodeType="tmRoot"/>
+      </p:par>
+    </p:tnLst>
+  </p:timing>
+</p:sld>
+</file>
+
+<file path=ppt/slides/slide4.xml><?xml version="1.0" encoding="utf-8"?>
+<p:sld xmlns:a="http://schemas.openxmlformats.org/drawingml/2006/main" xmlns:r="http://schemas.openxmlformats.org/officeDocument/2006/relationships" xmlns:mc="http://schemas.openxmlformats.org/markup-compatibility/2006" xmlns:mv="urn:schemas-microsoft-com:mac:vml" xmlns:p="http://schemas.openxmlformats.org/presentationml/2006/main" mc:Ignorable="mv" mc:PreserveAttributes="mv:*">
+  <p:cSld>
+    <p:spTree>
+      <p:nvGrpSpPr>
+        <p:cNvPr id="1" name=""/>
+        <p:cNvGrpSpPr/>
+        <p:nvPr/>
+      </p:nvGrpSpPr>
+      <p:grpSpPr>
+        <a:xfrm>
+          <a:off x="0" y="0"/>
+          <a:ext cx="0" cy="0"/>
+          <a:chOff x="0" y="0"/>
+          <a:chExt cx="0" cy="0"/>
+        </a:xfrm>
+      </p:grpSpPr>
+      <p:sp>
+        <p:nvSpPr>
           <p:cNvPr id="2" name="Title 1"/>
           <p:cNvSpPr>
             <a:spLocks noGrp="1"/>
@@ -11064,7 +12498,7 @@
               <a:pPr>
                 <a:defRPr/>
               </a:pPr>
-              <a:t>3</a:t>
+              <a:t>4</a:t>
             </a:fld>
             <a:endParaRPr lang="en-US"/>
           </a:p>
@@ -11372,7 +12806,7 @@
 </p:sld>
 </file>
 
-<file path=ppt/slides/slide4.xml><?xml version="1.0" encoding="utf-8"?>
+<file path=ppt/slides/slide5.xml><?xml version="1.0" encoding="utf-8"?>
 <p:sld xmlns:a="http://schemas.openxmlformats.org/drawingml/2006/main" xmlns:r="http://schemas.openxmlformats.org/officeDocument/2006/relationships" xmlns:mc="http://schemas.openxmlformats.org/markup-compatibility/2006" xmlns:mv="urn:schemas-microsoft-com:mac:vml" xmlns:p="http://schemas.openxmlformats.org/presentationml/2006/main" mc:Ignorable="mv" mc:PreserveAttributes="mv:*">
   <p:cSld>
     <p:spTree>
@@ -11440,7 +12874,7 @@
               <a:pPr>
                 <a:defRPr/>
               </a:pPr>
-              <a:t>4</a:t>
+              <a:t>5</a:t>
             </a:fld>
             <a:endParaRPr lang="en-US"/>
           </a:p>
@@ -12227,7 +13661,7 @@
 </p:sld>
 </file>
 
-<file path=ppt/slides/slide5.xml><?xml version="1.0" encoding="utf-8"?>
+<file path=ppt/slides/slide6.xml><?xml version="1.0" encoding="utf-8"?>
 <p:sld xmlns:a="http://schemas.openxmlformats.org/drawingml/2006/main" xmlns:r="http://schemas.openxmlformats.org/officeDocument/2006/relationships" xmlns:mc="http://schemas.openxmlformats.org/markup-compatibility/2006" xmlns:mv="urn:schemas-microsoft-com:mac:vml" xmlns:p="http://schemas.openxmlformats.org/presentationml/2006/main" mc:Ignorable="mv" mc:PreserveAttributes="mv:*">
   <p:cSld>
     <p:spTree>
@@ -12290,7 +13724,7 @@
               <a:pPr>
                 <a:defRPr/>
               </a:pPr>
-              <a:t>5</a:t>
+              <a:t>6</a:t>
             </a:fld>
             <a:endParaRPr lang="en-US"/>
           </a:p>
@@ -12918,7 +14352,7 @@
 </p:sld>
 </file>
 
-<file path=ppt/slides/slide6.xml><?xml version="1.0" encoding="utf-8"?>
+<file path=ppt/slides/slide7.xml><?xml version="1.0" encoding="utf-8"?>
 <p:sld xmlns:a="http://schemas.openxmlformats.org/drawingml/2006/main" xmlns:r="http://schemas.openxmlformats.org/officeDocument/2006/relationships" xmlns:mc="http://schemas.openxmlformats.org/markup-compatibility/2006" xmlns:mv="urn:schemas-microsoft-com:mac:vml" xmlns:p="http://schemas.openxmlformats.org/presentationml/2006/main" mc:Ignorable="mv" mc:PreserveAttributes="mv:*">
   <p:cSld>
     <p:spTree>
@@ -12986,7 +14420,7 @@
               <a:pPr>
                 <a:defRPr/>
               </a:pPr>
-              <a:t>6</a:t>
+              <a:t>7</a:t>
             </a:fld>
             <a:endParaRPr lang="en-US"/>
           </a:p>
@@ -13587,7 +15021,7 @@
 </p:sld>
 </file>
 
-<file path=ppt/slides/slide7.xml><?xml version="1.0" encoding="utf-8"?>
+<file path=ppt/slides/slide8.xml><?xml version="1.0" encoding="utf-8"?>
 <p:sld xmlns:a="http://schemas.openxmlformats.org/drawingml/2006/main" xmlns:r="http://schemas.openxmlformats.org/officeDocument/2006/relationships" xmlns:mc="http://schemas.openxmlformats.org/markup-compatibility/2006" xmlns:mv="urn:schemas-microsoft-com:mac:vml" xmlns:p="http://schemas.openxmlformats.org/presentationml/2006/main" mc:Ignorable="mv" mc:PreserveAttributes="mv:*">
   <p:cSld>
     <p:spTree>
@@ -13664,7 +15098,7 @@
               <a:pPr>
                 <a:defRPr/>
               </a:pPr>
-              <a:t>7</a:t>
+              <a:t>8</a:t>
             </a:fld>
             <a:endParaRPr lang="en-US">
               <a:solidFill>
@@ -14498,7 +15932,7 @@
 </p:sld>
 </file>
 
-<file path=ppt/slides/slide8.xml><?xml version="1.0" encoding="utf-8"?>
+<file path=ppt/slides/slide9.xml><?xml version="1.0" encoding="utf-8"?>
 <p:sld xmlns:a="http://schemas.openxmlformats.org/drawingml/2006/main" xmlns:r="http://schemas.openxmlformats.org/officeDocument/2006/relationships" xmlns:mc="http://schemas.openxmlformats.org/markup-compatibility/2006" xmlns:mv="urn:schemas-microsoft-com:mac:vml" xmlns:p="http://schemas.openxmlformats.org/presentationml/2006/main" mc:Ignorable="mv" mc:PreserveAttributes="mv:*">
   <p:cSld>
     <p:spTree>
@@ -14668,7 +16102,7 @@
               <a:pPr>
                 <a:defRPr/>
               </a:pPr>
-              <a:t>8</a:t>
+              <a:t>9</a:t>
             </a:fld>
             <a:endParaRPr lang="en-US"/>
           </a:p>
@@ -14812,991 +16246,6 @@
           </p:txBody>
         </p:sp>
       </p:grpSp>
-    </p:spTree>
-  </p:cSld>
-  <p:clrMapOvr>
-    <a:masterClrMapping/>
-  </p:clrMapOvr>
-  <p:timing>
-    <p:tnLst>
-      <p:par>
-        <p:cTn id="1" dur="indefinite" restart="never" nodeType="tmRoot"/>
-      </p:par>
-    </p:tnLst>
-  </p:timing>
-</p:sld>
-</file>
-
-<file path=ppt/slides/slide9.xml><?xml version="1.0" encoding="utf-8"?>
-<p:sld xmlns:a="http://schemas.openxmlformats.org/drawingml/2006/main" xmlns:r="http://schemas.openxmlformats.org/officeDocument/2006/relationships" xmlns:mc="http://schemas.openxmlformats.org/markup-compatibility/2006" xmlns:mv="urn:schemas-microsoft-com:mac:vml" xmlns:p="http://schemas.openxmlformats.org/presentationml/2006/main" mc:Ignorable="mv" mc:PreserveAttributes="mv:*">
-  <p:cSld>
-    <p:spTree>
-      <p:nvGrpSpPr>
-        <p:cNvPr id="1" name=""/>
-        <p:cNvGrpSpPr/>
-        <p:nvPr/>
-      </p:nvGrpSpPr>
-      <p:grpSpPr>
-        <a:xfrm>
-          <a:off x="0" y="0"/>
-          <a:ext cx="0" cy="0"/>
-          <a:chOff x="0" y="0"/>
-          <a:chExt cx="0" cy="0"/>
-        </a:xfrm>
-      </p:grpSpPr>
-      <p:sp>
-        <p:nvSpPr>
-          <p:cNvPr id="2" name="Title 1"/>
-          <p:cNvSpPr>
-            <a:spLocks noGrp="1"/>
-          </p:cNvSpPr>
-          <p:nvPr>
-            <p:ph type="title"/>
-          </p:nvPr>
-        </p:nvSpPr>
-        <p:spPr/>
-        <p:txBody>
-          <a:bodyPr/>
-          <a:lstStyle/>
-          <a:p>
-            <a:r>
-              <a:rPr lang="en-US"/>
-              <a:t>Some of the FY08 Metrics Goals</a:t>
-            </a:r>
-          </a:p>
-        </p:txBody>
-      </p:sp>
-      <p:graphicFrame>
-        <p:nvGraphicFramePr>
-          <p:cNvPr id="5" name="Content Placeholder 4"/>
-          <p:cNvGraphicFramePr>
-            <a:graphicFrameLocks noGrp="1"/>
-          </p:cNvGraphicFramePr>
-          <p:nvPr>
-            <p:ph idx="1"/>
-          </p:nvPr>
-        </p:nvGraphicFramePr>
-        <p:xfrm>
-          <a:off x="254000" y="2654300"/>
-          <a:ext cx="8674100" cy="3840479"/>
-        </p:xfrm>
-        <a:graphic>
-          <a:graphicData uri="http://schemas.openxmlformats.org/drawingml/2006/table">
-            <a:tbl>
-              <a:tblPr firstRow="1" bandRow="1">
-                <a:tableStyleId>{5C22544A-7EE6-4342-B048-85BDC9FD1C3A}</a:tableStyleId>
-              </a:tblPr>
-              <a:tblGrid>
-                <a:gridCol w="3628382"/>
-                <a:gridCol w="1604018"/>
-                <a:gridCol w="3441700"/>
-              </a:tblGrid>
-              <a:tr h="119381">
-                <a:tc>
-                  <a:txBody>
-                    <a:bodyPr/>
-                    <a:lstStyle/>
-                    <a:p>
-                      <a:pPr marL="0" marR="0" algn="l">
-                        <a:spcBef>
-                          <a:spcPts val="0"/>
-                        </a:spcBef>
-                        <a:spcAft>
-                          <a:spcPts val="0"/>
-                        </a:spcAft>
-                      </a:pPr>
-                      <a:r>
-                        <a:rPr lang="en-US" sz="1800">
-                          <a:latin typeface="Times New Roman"/>
-                          <a:ea typeface="Times New Roman"/>
-                          <a:cs typeface="Times New Roman"/>
-                        </a:rPr>
-                        <a:t>Goal</a:t>
-                      </a:r>
-                    </a:p>
-                  </a:txBody>
-                  <a:tcPr marL="68580" marR="68580" marT="0" marB="0"/>
-                </a:tc>
-                <a:tc>
-                  <a:txBody>
-                    <a:bodyPr/>
-                    <a:lstStyle/>
-                    <a:p>
-                      <a:pPr marL="0" marR="0" algn="l">
-                        <a:spcBef>
-                          <a:spcPts val="0"/>
-                        </a:spcBef>
-                        <a:spcAft>
-                          <a:spcPts val="0"/>
-                        </a:spcAft>
-                      </a:pPr>
-                      <a:r>
-                        <a:rPr lang="en-US" sz="1800">
-                          <a:latin typeface="Times New Roman"/>
-                          <a:ea typeface="Times New Roman"/>
-                          <a:cs typeface="Times New Roman"/>
-                        </a:rPr>
-                        <a:t>Status</a:t>
-                      </a:r>
-                    </a:p>
-                  </a:txBody>
-                  <a:tcPr marL="68580" marR="68580" marT="0" marB="0"/>
-                </a:tc>
-                <a:tc>
-                  <a:txBody>
-                    <a:bodyPr/>
-                    <a:lstStyle/>
-                    <a:p>
-                      <a:pPr marL="0" marR="0" algn="l">
-                        <a:spcBef>
-                          <a:spcPts val="0"/>
-                        </a:spcBef>
-                        <a:spcAft>
-                          <a:spcPts val="0"/>
-                        </a:spcAft>
-                      </a:pPr>
-                      <a:r>
-                        <a:rPr lang="en-US" sz="1800">
-                          <a:latin typeface="Times New Roman"/>
-                          <a:ea typeface="Times New Roman"/>
-                          <a:cs typeface="Times New Roman"/>
-                        </a:rPr>
-                        <a:t>Comments</a:t>
-                      </a:r>
-                    </a:p>
-                  </a:txBody>
-                  <a:tcPr marL="68580" marR="68580" marT="0" marB="0"/>
-                </a:tc>
-              </a:tr>
-              <a:tr h="370840">
-                <a:tc>
-                  <a:txBody>
-                    <a:bodyPr/>
-                    <a:lstStyle/>
-                    <a:p>
-                      <a:pPr marL="0" marR="0" algn="l">
-                        <a:spcBef>
-                          <a:spcPts val="0"/>
-                        </a:spcBef>
-                        <a:spcAft>
-                          <a:spcPts val="0"/>
-                        </a:spcAft>
-                      </a:pPr>
-                      <a:r>
-                        <a:rPr lang="en-US" sz="1800">
-                          <a:latin typeface="Times New Roman"/>
-                          <a:ea typeface="Times New Roman"/>
-                          <a:cs typeface="Times New Roman"/>
-                        </a:rPr>
-                        <a:t>5 citations for OSG contribution in scientific publications</a:t>
-                      </a:r>
-                    </a:p>
-                  </a:txBody>
-                  <a:tcPr marL="68580" marR="68580" marT="0" marB="0"/>
-                </a:tc>
-                <a:tc>
-                  <a:txBody>
-                    <a:bodyPr/>
-                    <a:lstStyle/>
-                    <a:p>
-                      <a:pPr marL="0" marR="0" algn="l">
-                        <a:spcBef>
-                          <a:spcPts val="0"/>
-                        </a:spcBef>
-                        <a:spcAft>
-                          <a:spcPts val="0"/>
-                        </a:spcAft>
-                      </a:pPr>
-                      <a:r>
-                        <a:rPr lang="en-US" sz="1800">
-                          <a:latin typeface="Times New Roman"/>
-                          <a:ea typeface="Times New Roman"/>
-                          <a:cs typeface="Times New Roman"/>
-                        </a:rPr>
-                        <a:t>MISSED</a:t>
-                      </a:r>
-                    </a:p>
-                  </a:txBody>
-                  <a:tcPr marL="68580" marR="68580" marT="0" marB="0"/>
-                </a:tc>
-                <a:tc>
-                  <a:txBody>
-                    <a:bodyPr/>
-                    <a:lstStyle/>
-                    <a:p>
-                      <a:pPr marL="0" marR="0" algn="l">
-                        <a:spcBef>
-                          <a:spcPts val="0"/>
-                        </a:spcBef>
-                        <a:spcAft>
-                          <a:spcPts val="0"/>
-                        </a:spcAft>
-                      </a:pPr>
-                      <a:r>
-                        <a:rPr lang="en-US" sz="1800">
-                          <a:latin typeface="Times New Roman"/>
-                          <a:ea typeface="Times New Roman"/>
-                          <a:cs typeface="Times New Roman"/>
-                        </a:rPr>
-                        <a:t>4 explicit citations.</a:t>
-                      </a:r>
-                    </a:p>
-                  </a:txBody>
-                  <a:tcPr marL="68580" marR="68580" marT="0" marB="0"/>
-                </a:tc>
-              </a:tr>
-              <a:tr h="370840">
-                <a:tc>
-                  <a:txBody>
-                    <a:bodyPr/>
-                    <a:lstStyle/>
-                    <a:p>
-                      <a:pPr marL="0" marR="0" algn="l">
-                        <a:spcBef>
-                          <a:spcPts val="0"/>
-                        </a:spcBef>
-                        <a:spcAft>
-                          <a:spcPts val="0"/>
-                        </a:spcAft>
-                      </a:pPr>
-                      <a:r>
-                        <a:rPr lang="en-US" sz="1800">
-                          <a:latin typeface="Times New Roman"/>
-                          <a:ea typeface="Times New Roman"/>
-                          <a:cs typeface="Times New Roman"/>
-                        </a:rPr>
-                        <a:t>1000 individual end users using the OSG.</a:t>
-                      </a:r>
-                    </a:p>
-                  </a:txBody>
-                  <a:tcPr marL="68580" marR="68580" marT="0" marB="0"/>
-                </a:tc>
-                <a:tc>
-                  <a:txBody>
-                    <a:bodyPr/>
-                    <a:lstStyle/>
-                    <a:p>
-                      <a:pPr marL="0" marR="0" algn="l">
-                        <a:spcBef>
-                          <a:spcPts val="0"/>
-                        </a:spcBef>
-                        <a:spcAft>
-                          <a:spcPts val="0"/>
-                        </a:spcAft>
-                      </a:pPr>
-                      <a:r>
-                        <a:rPr lang="en-US" sz="1800">
-                          <a:latin typeface="Times New Roman"/>
-                          <a:ea typeface="Times New Roman"/>
-                          <a:cs typeface="Times New Roman"/>
-                        </a:rPr>
-                        <a:t>ACHIEVED</a:t>
-                      </a:r>
-                    </a:p>
-                  </a:txBody>
-                  <a:tcPr marL="68580" marR="68580" marT="0" marB="0"/>
-                </a:tc>
-                <a:tc>
-                  <a:txBody>
-                    <a:bodyPr/>
-                    <a:lstStyle/>
-                    <a:p>
-                      <a:pPr marL="0" marR="0" algn="l">
-                        <a:spcBef>
-                          <a:spcPts val="0"/>
-                        </a:spcBef>
-                        <a:spcAft>
-                          <a:spcPts val="0"/>
-                        </a:spcAft>
-                      </a:pPr>
-                      <a:r>
-                        <a:rPr lang="en-US" sz="1800">
-                          <a:latin typeface="Times New Roman"/>
-                          <a:ea typeface="Times New Roman"/>
-                          <a:cs typeface="Times New Roman"/>
-                        </a:rPr>
-                        <a:t>1427 individuals used the OSG</a:t>
-                      </a:r>
-                      <a:r>
-                        <a:rPr lang="en-US" sz="1800" baseline="0">
-                          <a:latin typeface="Times New Roman"/>
-                          <a:ea typeface="Times New Roman"/>
-                          <a:cs typeface="Times New Roman"/>
-                        </a:rPr>
-                        <a:t> (when report written)</a:t>
-                      </a:r>
-                      <a:endParaRPr lang="en-US" sz="1800">
-                        <a:latin typeface="Times New Roman"/>
-                        <a:ea typeface="Times New Roman"/>
-                        <a:cs typeface="Times New Roman"/>
-                      </a:endParaRPr>
-                    </a:p>
-                  </a:txBody>
-                  <a:tcPr marL="68580" marR="68580" marT="0" marB="0"/>
-                </a:tc>
-              </a:tr>
-              <a:tr h="370840">
-                <a:tc>
-                  <a:txBody>
-                    <a:bodyPr/>
-                    <a:lstStyle/>
-                    <a:p>
-                      <a:pPr marL="0" marR="0" algn="l">
-                        <a:spcBef>
-                          <a:spcPts val="0"/>
-                        </a:spcBef>
-                        <a:spcAft>
-                          <a:spcPts val="0"/>
-                        </a:spcAft>
-                      </a:pPr>
-                      <a:r>
-                        <a:rPr lang="en-US" sz="1800">
-                          <a:latin typeface="Times New Roman"/>
-                          <a:ea typeface="Times New Roman"/>
-                          <a:cs typeface="Times New Roman"/>
-                        </a:rPr>
-                        <a:t>10% sharing (opportunistic use) of OSG Resources</a:t>
-                      </a:r>
-                    </a:p>
-                  </a:txBody>
-                  <a:tcPr marL="68580" marR="68580" marT="0" marB="0"/>
-                </a:tc>
-                <a:tc>
-                  <a:txBody>
-                    <a:bodyPr/>
-                    <a:lstStyle/>
-                    <a:p>
-                      <a:pPr marL="0" marR="0" algn="l">
-                        <a:spcBef>
-                          <a:spcPts val="0"/>
-                        </a:spcBef>
-                        <a:spcAft>
-                          <a:spcPts val="0"/>
-                        </a:spcAft>
-                      </a:pPr>
-                      <a:r>
-                        <a:rPr lang="en-US" sz="1800">
-                          <a:latin typeface="Times New Roman"/>
-                          <a:ea typeface="Times New Roman"/>
-                          <a:cs typeface="Times New Roman"/>
-                        </a:rPr>
-                        <a:t>ACHIEVED</a:t>
-                      </a:r>
-                    </a:p>
-                  </a:txBody>
-                  <a:tcPr marL="68580" marR="68580" marT="0" marB="0"/>
-                </a:tc>
-                <a:tc>
-                  <a:txBody>
-                    <a:bodyPr/>
-                    <a:lstStyle/>
-                    <a:p>
-                      <a:pPr marL="0" marR="0" algn="l">
-                        <a:spcBef>
-                          <a:spcPts val="0"/>
-                        </a:spcBef>
-                        <a:spcAft>
-                          <a:spcPts val="0"/>
-                        </a:spcAft>
-                      </a:pPr>
-                      <a:r>
-                        <a:rPr lang="en-US" sz="1800">
-                          <a:latin typeface="Times New Roman"/>
-                          <a:ea typeface="Times New Roman"/>
-                          <a:cs typeface="Times New Roman"/>
-                        </a:rPr>
-                        <a:t>Average of &gt;20% as measured</a:t>
-                      </a:r>
-                      <a:r>
-                        <a:rPr lang="en-US" sz="1800" baseline="0">
-                          <a:latin typeface="Times New Roman"/>
-                          <a:ea typeface="Times New Roman"/>
-                          <a:cs typeface="Times New Roman"/>
-                        </a:rPr>
-                        <a:t> by accounting systems.</a:t>
-                      </a:r>
-                      <a:endParaRPr lang="en-US" sz="1800">
-                        <a:latin typeface="Times New Roman"/>
-                        <a:ea typeface="Times New Roman"/>
-                        <a:cs typeface="Times New Roman"/>
-                      </a:endParaRPr>
-                    </a:p>
-                  </a:txBody>
-                  <a:tcPr marL="68580" marR="68580" marT="0" marB="0"/>
-                </a:tc>
-              </a:tr>
-              <a:tr h="370840">
-                <a:tc>
-                  <a:txBody>
-                    <a:bodyPr/>
-                    <a:lstStyle/>
-                    <a:p>
-                      <a:pPr marL="0" marR="0" algn="l">
-                        <a:spcBef>
-                          <a:spcPts val="200"/>
-                        </a:spcBef>
-                        <a:spcAft>
-                          <a:spcPts val="500"/>
-                        </a:spcAft>
-                      </a:pPr>
-                      <a:r>
-                        <a:rPr lang="en-US" sz="1800" b="0">
-                          <a:latin typeface="Times New Roman"/>
-                          <a:ea typeface="Times New Roman"/>
-                          <a:cs typeface="Times New Roman"/>
-                        </a:rPr>
-                        <a:t>Average of 60 functional compute resources per month</a:t>
-                      </a:r>
-                    </a:p>
-                  </a:txBody>
-                  <a:tcPr marL="68580" marR="68580" marT="0" marB="0"/>
-                </a:tc>
-                <a:tc>
-                  <a:txBody>
-                    <a:bodyPr/>
-                    <a:lstStyle/>
-                    <a:p>
-                      <a:pPr marL="0" marR="0" algn="l">
-                        <a:spcBef>
-                          <a:spcPts val="0"/>
-                        </a:spcBef>
-                        <a:spcAft>
-                          <a:spcPts val="0"/>
-                        </a:spcAft>
-                      </a:pPr>
-                      <a:r>
-                        <a:rPr lang="en-US" sz="1800">
-                          <a:latin typeface="Times New Roman"/>
-                          <a:ea typeface="Times New Roman"/>
-                          <a:cs typeface="Times New Roman"/>
-                        </a:rPr>
-                        <a:t>ACHIEVED</a:t>
-                      </a:r>
-                    </a:p>
-                  </a:txBody>
-                  <a:tcPr marL="68580" marR="68580" marT="0" marB="0"/>
-                </a:tc>
-                <a:tc>
-                  <a:txBody>
-                    <a:bodyPr/>
-                    <a:lstStyle/>
-                    <a:p>
-                      <a:pPr marL="0" marR="0" algn="l">
-                        <a:spcBef>
-                          <a:spcPts val="0"/>
-                        </a:spcBef>
-                        <a:spcAft>
-                          <a:spcPts val="0"/>
-                        </a:spcAft>
-                      </a:pPr>
-                      <a:r>
-                        <a:rPr lang="en-US" sz="1800">
-                          <a:latin typeface="Times New Roman"/>
-                          <a:ea typeface="Times New Roman"/>
-                          <a:cs typeface="Times New Roman"/>
-                        </a:rPr>
-                        <a:t>Average of 60 measured centrally</a:t>
-                      </a:r>
-                      <a:r>
-                        <a:rPr lang="en-US" sz="1800" baseline="0">
-                          <a:latin typeface="Times New Roman"/>
-                          <a:ea typeface="Times New Roman"/>
-                          <a:cs typeface="Times New Roman"/>
-                        </a:rPr>
-                        <a:t> by resource availability tests</a:t>
-                      </a:r>
-                      <a:endParaRPr lang="en-US" sz="1800">
-                        <a:latin typeface="Times New Roman"/>
-                        <a:ea typeface="Times New Roman"/>
-                        <a:cs typeface="Times New Roman"/>
-                      </a:endParaRPr>
-                    </a:p>
-                  </a:txBody>
-                  <a:tcPr marL="68580" marR="68580" marT="0" marB="0"/>
-                </a:tc>
-              </a:tr>
-              <a:tr h="370840">
-                <a:tc>
-                  <a:txBody>
-                    <a:bodyPr/>
-                    <a:lstStyle/>
-                    <a:p>
-                      <a:pPr marL="0" marR="0" algn="just">
-                        <a:spcBef>
-                          <a:spcPts val="200"/>
-                        </a:spcBef>
-                        <a:spcAft>
-                          <a:spcPts val="500"/>
-                        </a:spcAft>
-                      </a:pPr>
-                      <a:r>
-                        <a:rPr lang="en-US" sz="1800" b="0">
-                          <a:latin typeface="Times New Roman"/>
-                          <a:ea typeface="Times New Roman"/>
-                          <a:cs typeface="Times New Roman"/>
-                        </a:rPr>
-                        <a:t>Average 100,000 batch jobs a day over one week and</a:t>
-                      </a:r>
-                      <a:r>
-                        <a:rPr lang="en-US" sz="1800" b="0" baseline="0">
-                          <a:latin typeface="Times New Roman"/>
-                          <a:ea typeface="Times New Roman"/>
-                          <a:cs typeface="Times New Roman"/>
-                        </a:rPr>
-                        <a:t> </a:t>
-                      </a:r>
-                      <a:r>
-                        <a:rPr lang="en-US" sz="1800" b="0">
-                          <a:latin typeface="Times New Roman"/>
-                          <a:ea typeface="Times New Roman"/>
-                          <a:cs typeface="Times New Roman"/>
-                        </a:rPr>
-                        <a:t>average 75,000 batch jobs a day over one month.</a:t>
-                      </a:r>
-                    </a:p>
-                  </a:txBody>
-                  <a:tcPr marL="68580" marR="68580" marT="0" marB="0"/>
-                </a:tc>
-                <a:tc>
-                  <a:txBody>
-                    <a:bodyPr/>
-                    <a:lstStyle/>
-                    <a:p>
-                      <a:pPr marL="0" marR="0" algn="l">
-                        <a:spcBef>
-                          <a:spcPts val="0"/>
-                        </a:spcBef>
-                        <a:spcAft>
-                          <a:spcPts val="0"/>
-                        </a:spcAft>
-                      </a:pPr>
-                      <a:r>
-                        <a:rPr lang="en-US" sz="1800">
-                          <a:latin typeface="Times New Roman"/>
-                          <a:ea typeface="Times New Roman"/>
-                          <a:cs typeface="Times New Roman"/>
-                        </a:rPr>
-                        <a:t>ACHIEVED</a:t>
-                      </a:r>
-                    </a:p>
-                  </a:txBody>
-                  <a:tcPr marL="68580" marR="68580" marT="0" marB="0"/>
-                </a:tc>
-                <a:tc>
-                  <a:txBody>
-                    <a:bodyPr/>
-                    <a:lstStyle/>
-                    <a:p>
-                      <a:pPr marL="0" marR="0" algn="l">
-                        <a:spcBef>
-                          <a:spcPts val="0"/>
-                        </a:spcBef>
-                        <a:spcAft>
-                          <a:spcPts val="0"/>
-                        </a:spcAft>
-                      </a:pPr>
-                      <a:r>
-                        <a:rPr lang="en-US" sz="1800">
-                          <a:latin typeface="Times New Roman"/>
-                          <a:ea typeface="Times New Roman"/>
-                          <a:cs typeface="Times New Roman"/>
-                        </a:rPr>
-                        <a:t>Average of 150k jobs a day  sustained over more than a week</a:t>
-                      </a:r>
-                    </a:p>
-                  </a:txBody>
-                  <a:tcPr marL="68580" marR="68580" marT="0" marB="0"/>
-                </a:tc>
-              </a:tr>
-              <a:tr h="370840">
-                <a:tc>
-                  <a:txBody>
-                    <a:bodyPr/>
-                    <a:lstStyle/>
-                    <a:p>
-                      <a:pPr marL="0" marR="0" algn="l">
-                        <a:spcBef>
-                          <a:spcPts val="0"/>
-                        </a:spcBef>
-                        <a:spcAft>
-                          <a:spcPts val="0"/>
-                        </a:spcAft>
-                      </a:pPr>
-                      <a:r>
-                        <a:rPr lang="en-US" sz="1800" b="0">
-                          <a:latin typeface="Times New Roman"/>
-                          <a:ea typeface="Times New Roman"/>
-                          <a:cs typeface="Times New Roman"/>
-                        </a:rPr>
-                        <a:t>Have an average of 30,000 CPUs utilized during 1 week</a:t>
-                      </a:r>
-                    </a:p>
-                  </a:txBody>
-                  <a:tcPr marL="68580" marR="68580" marT="0" marB="0"/>
-                </a:tc>
-                <a:tc>
-                  <a:txBody>
-                    <a:bodyPr/>
-                    <a:lstStyle/>
-                    <a:p>
-                      <a:pPr marL="0" marR="0" algn="l">
-                        <a:spcBef>
-                          <a:spcPts val="0"/>
-                        </a:spcBef>
-                        <a:spcAft>
-                          <a:spcPts val="0"/>
-                        </a:spcAft>
-                      </a:pPr>
-                      <a:r>
-                        <a:rPr lang="en-US" sz="1800">
-                          <a:latin typeface="Times New Roman"/>
-                          <a:ea typeface="Times New Roman"/>
-                          <a:cs typeface="Times New Roman"/>
-                        </a:rPr>
-                        <a:t>MISSED</a:t>
-                      </a:r>
-                    </a:p>
-                  </a:txBody>
-                  <a:tcPr marL="68580" marR="68580" marT="0" marB="0"/>
-                </a:tc>
-                <a:tc>
-                  <a:txBody>
-                    <a:bodyPr/>
-                    <a:lstStyle/>
-                    <a:p>
-                      <a:pPr marL="0" marR="0" algn="l">
-                        <a:spcBef>
-                          <a:spcPts val="0"/>
-                        </a:spcBef>
-                        <a:spcAft>
-                          <a:spcPts val="0"/>
-                        </a:spcAft>
-                      </a:pPr>
-                      <a:r>
-                        <a:rPr lang="en-US" sz="1800">
-                          <a:latin typeface="Times New Roman"/>
-                          <a:ea typeface="Times New Roman"/>
-                          <a:cs typeface="Times New Roman"/>
-                        </a:rPr>
-                        <a:t>16k simultaneous jobs recorded. (when report written; now at &gt;25K)</a:t>
-                      </a:r>
-                    </a:p>
-                  </a:txBody>
-                  <a:tcPr marL="68580" marR="68580" marT="0" marB="0"/>
-                </a:tc>
-              </a:tr>
-            </a:tbl>
-          </a:graphicData>
-        </a:graphic>
-      </p:graphicFrame>
-      <p:sp>
-        <p:nvSpPr>
-          <p:cNvPr id="4" name="Slide Number Placeholder 3"/>
-          <p:cNvSpPr>
-            <a:spLocks noGrp="1"/>
-          </p:cNvSpPr>
-          <p:nvPr>
-            <p:ph type="sldNum" sz="quarter" idx="10"/>
-          </p:nvPr>
-        </p:nvSpPr>
-        <p:spPr/>
-        <p:txBody>
-          <a:bodyPr/>
-          <a:lstStyle/>
-          <a:p>
-            <a:pPr>
-              <a:defRPr/>
-            </a:pPr>
-            <a:fld id="{C0C4A7A6-595F-FE47-AE10-398FE3A6E33C}" type="slidenum">
-              <a:rPr lang="en-US"/>
-              <a:pPr>
-                <a:defRPr/>
-              </a:pPr>
-              <a:t>9</a:t>
-            </a:fld>
-            <a:endParaRPr lang="en-US"/>
-          </a:p>
-        </p:txBody>
-      </p:sp>
-      <p:grpSp>
-        <p:nvGrpSpPr>
-          <p:cNvPr id="3" name="Group 10"/>
-          <p:cNvGrpSpPr>
-            <a:grpSpLocks/>
-          </p:cNvGrpSpPr>
-          <p:nvPr/>
-        </p:nvGrpSpPr>
-        <p:grpSpPr bwMode="auto">
-          <a:xfrm>
-            <a:off x="8343900" y="254000"/>
-            <a:ext cx="558800" cy="431800"/>
-            <a:chOff x="160868" y="6028266"/>
-            <a:chExt cx="558800" cy="431800"/>
-          </a:xfrm>
-        </p:grpSpPr>
-        <p:sp>
-          <p:nvSpPr>
-            <p:cNvPr id="7" name="Rounded Rectangle 6"/>
-            <p:cNvSpPr/>
-            <p:nvPr/>
-          </p:nvSpPr>
-          <p:spPr bwMode="auto">
-            <a:xfrm>
-              <a:off x="168806" y="6028266"/>
-              <a:ext cx="550862" cy="431800"/>
-            </a:xfrm>
-            <a:prstGeom prst="roundRect">
-              <a:avLst/>
-            </a:prstGeom>
-            <a:solidFill>
-              <a:schemeClr val="accent2">
-                <a:lumMod val="20000"/>
-                <a:lumOff val="80000"/>
-              </a:schemeClr>
-            </a:solidFill>
-            <a:ln w="9525" cap="flat" cmpd="sng" algn="ctr">
-              <a:solidFill>
-                <a:schemeClr val="tx1"/>
-              </a:solidFill>
-              <a:prstDash val="solid"/>
-              <a:round/>
-              <a:headEnd type="none" w="med" len="med"/>
-              <a:tailEnd type="none" w="med" len="med"/>
-            </a:ln>
-            <a:effectLst/>
-          </p:spPr>
-          <p:txBody>
-            <a:bodyPr>
-              <a:prstTxWarp prst="textNoShape">
-                <a:avLst/>
-              </a:prstTxWarp>
-            </a:bodyPr>
-            <a:lstStyle/>
-            <a:p>
-              <a:pPr algn="l">
-                <a:spcBef>
-                  <a:spcPct val="20000"/>
-                </a:spcBef>
-                <a:buFontTx/>
-                <a:buChar char="•"/>
-                <a:defRPr/>
-              </a:pPr>
-              <a:endParaRPr lang="en-US" sz="2400">
-                <a:solidFill>
-                  <a:schemeClr val="tx1"/>
-                </a:solidFill>
-                <a:latin typeface="Arial" charset="0"/>
-                <a:ea typeface="+mn-ea"/>
-                <a:cs typeface="+mn-cs"/>
-              </a:endParaRPr>
-            </a:p>
-          </p:txBody>
-        </p:sp>
-        <p:sp>
-          <p:nvSpPr>
-            <p:cNvPr id="8" name="TextBox 12"/>
-            <p:cNvSpPr txBox="1">
-              <a:spLocks noChangeArrowheads="1"/>
-            </p:cNvSpPr>
-            <p:nvPr/>
-          </p:nvSpPr>
-          <p:spPr bwMode="auto">
-            <a:xfrm>
-              <a:off x="160868" y="6052079"/>
-              <a:ext cx="558800" cy="338554"/>
-            </a:xfrm>
-            <a:prstGeom prst="rect">
-              <a:avLst/>
-            </a:prstGeom>
-            <a:noFill/>
-            <a:ln w="9525">
-              <a:noFill/>
-              <a:miter lim="800000"/>
-              <a:headEnd/>
-              <a:tailEnd/>
-            </a:ln>
-          </p:spPr>
-          <p:txBody>
-            <a:bodyPr anchor="ctr">
-              <a:prstTxWarp prst="textNoShape">
-                <a:avLst/>
-              </a:prstTxWarp>
-              <a:spAutoFit/>
-            </a:bodyPr>
-            <a:lstStyle/>
-            <a:p>
-              <a:pPr algn="ctr">
-                <a:spcBef>
-                  <a:spcPct val="20000"/>
-                </a:spcBef>
-                <a:buNone/>
-              </a:pPr>
-              <a:r>
-                <a:rPr lang="en-US" sz="1600">
-                  <a:solidFill>
-                    <a:schemeClr val="tx2"/>
-                  </a:solidFill>
-                  <a:ea typeface="ＭＳ Ｐゴシック" pitchFamily="-97" charset="-128"/>
-                  <a:cs typeface="ＭＳ Ｐゴシック" pitchFamily="-97" charset="-128"/>
-                </a:rPr>
-                <a:t>3</a:t>
-              </a:r>
-              <a:r>
-                <a:rPr lang="en-US" sz="1600">
-                  <a:solidFill>
-                    <a:schemeClr val="tx2"/>
-                  </a:solidFill>
-                  <a:latin typeface="Arial" pitchFamily="-97" charset="0"/>
-                  <a:ea typeface="ＭＳ Ｐゴシック" pitchFamily="-97" charset="-128"/>
-                  <a:cs typeface="ＭＳ Ｐゴシック" pitchFamily="-97" charset="-128"/>
-                </a:rPr>
-                <a:t>a</a:t>
-              </a:r>
-            </a:p>
-          </p:txBody>
-        </p:sp>
-      </p:grpSp>
-      <p:sp>
-        <p:nvSpPr>
-          <p:cNvPr id="9" name="Content Placeholder 2"/>
-          <p:cNvSpPr txBox="1">
-            <a:spLocks/>
-          </p:cNvSpPr>
-          <p:nvPr/>
-        </p:nvSpPr>
-        <p:spPr bwMode="auto">
-          <a:xfrm>
-            <a:off x="342900" y="1257300"/>
-            <a:ext cx="8559800" cy="1384300"/>
-          </a:xfrm>
-          <a:prstGeom prst="rect">
-            <a:avLst/>
-          </a:prstGeom>
-          <a:noFill/>
-          <a:ln w="9525">
-            <a:noFill/>
-            <a:miter lim="800000"/>
-            <a:headEnd/>
-            <a:tailEnd/>
-          </a:ln>
-        </p:spPr>
-        <p:txBody>
-          <a:bodyPr vert="horz" wrap="square" lIns="91440" tIns="45720" rIns="91440" bIns="45720" numCol="1" anchor="t" anchorCtr="0" compatLnSpc="1">
-            <a:prstTxWarp prst="textNoShape">
-              <a:avLst/>
-            </a:prstTxWarp>
-          </a:bodyPr>
-          <a:lstStyle/>
-          <a:p>
-            <a:pPr marL="342900" marR="0" lvl="0" indent="-342900" algn="l" defTabSz="914400" rtl="0" eaLnBrk="0" fontAlgn="base" latinLnBrk="0" hangingPunct="0">
-              <a:lnSpc>
-                <a:spcPct val="100000"/>
-              </a:lnSpc>
-              <a:spcBef>
-                <a:spcPct val="20000"/>
-              </a:spcBef>
-              <a:spcAft>
-                <a:spcPct val="0"/>
-              </a:spcAft>
-              <a:buClr>
-                <a:srgbClr val="000080"/>
-              </a:buClr>
-              <a:buSzTx/>
-              <a:buFont typeface="Times" pitchFamily="-97" charset="0"/>
-              <a:buNone/>
-              <a:tabLst/>
-              <a:defRPr/>
-            </a:pPr>
-            <a:r>
-              <a:rPr kumimoji="1" lang="en-US" sz="2000" b="0" i="0" u="none" strike="noStrike" kern="0" cap="none" spc="0" normalizeH="0" baseline="0" noProof="0">
-                <a:ln>
-                  <a:noFill/>
-                </a:ln>
-                <a:solidFill>
-                  <a:schemeClr val="tx2"/>
-                </a:solidFill>
-                <a:effectLst/>
-                <a:uLnTx/>
-                <a:uFillTx/>
-                <a:latin typeface="+mn-lt"/>
-                <a:ea typeface="+mn-ea"/>
-                <a:cs typeface="+mn-cs"/>
-              </a:rPr>
-              <a:t>These</a:t>
-            </a:r>
-            <a:r>
-              <a:rPr kumimoji="1" lang="en-US" sz="2000" b="0" i="0" u="none" strike="noStrike" kern="0" cap="none" spc="0" normalizeH="0" noProof="0">
-                <a:ln>
-                  <a:noFill/>
-                </a:ln>
-                <a:solidFill>
-                  <a:schemeClr val="tx2"/>
-                </a:solidFill>
-                <a:effectLst/>
-                <a:uLnTx/>
-                <a:uFillTx/>
-                <a:latin typeface="+mn-lt"/>
-                <a:ea typeface="+mn-ea"/>
-                <a:cs typeface="+mn-cs"/>
-              </a:rPr>
-              <a:t> examples in the main show throughput values of the Facility; the easiest to measure but not really indicative of the effectiveness or “good-output” of the system. </a:t>
-            </a:r>
-          </a:p>
-          <a:p>
-            <a:pPr marL="342900" marR="0" lvl="0" indent="-342900" algn="l" defTabSz="914400" rtl="0" eaLnBrk="0" fontAlgn="base" latinLnBrk="0" hangingPunct="0">
-              <a:lnSpc>
-                <a:spcPct val="100000"/>
-              </a:lnSpc>
-              <a:spcBef>
-                <a:spcPct val="20000"/>
-              </a:spcBef>
-              <a:spcAft>
-                <a:spcPct val="0"/>
-              </a:spcAft>
-              <a:buClr>
-                <a:srgbClr val="000080"/>
-              </a:buClr>
-              <a:buSzTx/>
-              <a:buFont typeface="Times" pitchFamily="-97" charset="0"/>
-              <a:buNone/>
-              <a:tabLst/>
-              <a:defRPr/>
-            </a:pPr>
-            <a:r>
-              <a:rPr kumimoji="1" lang="en-US" sz="2000" kern="0" baseline="0">
-                <a:solidFill>
-                  <a:schemeClr val="tx2"/>
-                </a:solidFill>
-                <a:latin typeface="+mn-lt"/>
-              </a:rPr>
-              <a:t>We talk about scientifi</a:t>
-            </a:r>
-            <a:r>
-              <a:rPr kumimoji="1" lang="en-US" sz="2000" kern="0">
-                <a:solidFill>
-                  <a:schemeClr val="tx2"/>
-                </a:solidFill>
-                <a:latin typeface="+mn-lt"/>
-              </a:rPr>
-              <a:t>c publications later on in this talk.</a:t>
-            </a:r>
-            <a:endParaRPr kumimoji="1" lang="en-US" sz="2000" b="0" i="0" u="none" strike="noStrike" kern="0" cap="none" spc="0" normalizeH="0" baseline="0" noProof="0">
-              <a:ln>
-                <a:noFill/>
-              </a:ln>
-              <a:solidFill>
-                <a:schemeClr val="tx2"/>
-              </a:solidFill>
-              <a:effectLst/>
-              <a:uLnTx/>
-              <a:uFillTx/>
-              <a:latin typeface="+mn-lt"/>
-              <a:ea typeface="+mn-ea"/>
-              <a:cs typeface="+mn-cs"/>
-            </a:endParaRPr>
-          </a:p>
-        </p:txBody>
-      </p:sp>
     </p:spTree>
   </p:cSld>
   <p:clrMapOvr>
